--- a/Coffee Sales and Top Customer 2019 - 2022.pptx
+++ b/Coffee Sales and Top Customer 2019 - 2022.pptx
@@ -1,15 +1,18 @@
 
 <file path=ppt/presentation.xml><?xml version="1.0" encoding="utf-8"?>
-<p:presentation xmlns:p15="http://schemas.microsoft.com/office/powerpoint/2012/main" xmlns:a="http://schemas.openxmlformats.org/drawingml/2006/main" xmlns:r="http://schemas.openxmlformats.org/officeDocument/2006/relationships" xmlns:p="http://schemas.openxmlformats.org/presentationml/2006/main" saveSubsetFonts="1" autoCompressPictures="0">
+<p:presentation xmlns:a="http://schemas.openxmlformats.org/drawingml/2006/main" xmlns:r="http://schemas.openxmlformats.org/officeDocument/2006/relationships" xmlns:p="http://schemas.openxmlformats.org/presentationml/2006/main" saveSubsetFonts="1" autoCompressPictures="0">
   <p:sldMasterIdLst>
-    <p:sldMasterId id="2147483660" r:id="rId1"/>
+    <p:sldMasterId id="2147483648" r:id="rId4"/>
   </p:sldMasterIdLst>
   <p:sldIdLst>
-    <p:sldId id="256" r:id="rId2"/>
-    <p:sldId id="257" r:id="RelId0"/>
+    <p:sldId id="256" r:id="rId5"/>
+    <p:sldId id="257" r:id="rId6"/>
   </p:sldIdLst>
   <p:sldSz cx="12192000" cy="6858000"/>
   <p:notesSz cx="6858000" cy="9144000"/>
+  <p:custDataLst>
+    <p:tags r:id="rId7"/>
+  </p:custDataLst>
   <p:defaultTextStyle>
     <a:defPPr>
       <a:defRPr lang="en-US"/>
@@ -113,269 +116,12 @@
 </p:presentation>
 </file>
 
-<file path=ppt/notesSlides/notesSlide.xml><?xml version="1.0" encoding="utf-8"?>
-<p:notes xmlns:p="http://schemas.openxmlformats.org/presentationml/2006/main">
-  <p:cSld>
-    <p:spTree>
-      <p:nvGrpSpPr>
-        <p:cNvPr id="1" name=""/>
-        <p:cNvGrpSpPr/>
-        <p:nvPr/>
-      </p:nvGrpSpPr>
-      <p:grpSpPr/>
-      <p:sp>
-        <p:nvSpPr>
-          <p:cNvPr id="2" name="Slide Text"/>
-          <p:cNvSpPr>
-            <a:spLocks xmlns:a="http://schemas.openxmlformats.org/drawingml/2006/main" noGrp="1"/>
-          </p:cNvSpPr>
-          <p:nvPr>
-            <p:ph type="body" idx="1"/>
-          </p:nvPr>
-        </p:nvSpPr>
-        <p:spPr/>
-        <p:txBody>
-          <a:bodyPr xmlns:a="http://schemas.openxmlformats.org/drawingml/2006/main"/>
-          <a:lstStyle xmlns:a="http://schemas.openxmlformats.org/drawingml/2006/main"/>
-          <a:p xmlns:a="http://schemas.openxmlformats.org/drawingml/2006/main">
-            <a:r>
-              <a:rPr b="1" dirty="0"/>
-              <a:t>Quantity and Profits by Roast Type</a:t>
-            </a:r>
-            <a:endParaRPr dirty="0"/>
-          </a:p>
-          <a:p xmlns:a="http://schemas.openxmlformats.org/drawingml/2006/main">
-            <a:r>
-              <a:rPr b="0" dirty="0"/>
-              <a:t>No alt text provided</a:t>
-            </a:r>
-            <a:endParaRPr dirty="0"/>
-          </a:p>
-          <a:p xmlns:a="http://schemas.openxmlformats.org/drawingml/2006/main">
-            <a:r>
-              <a:rPr b="0" dirty="0"/>
-              <a:t/>
-            </a:r>
-            <a:endParaRPr dirty="0"/>
-          </a:p>
-          <a:p xmlns:a="http://schemas.openxmlformats.org/drawingml/2006/main">
-            <a:r>
-              <a:rPr b="1" dirty="0"/>
-              <a:t>Yearly Profit</a:t>
-            </a:r>
-            <a:endParaRPr dirty="0"/>
-          </a:p>
-          <a:p xmlns:a="http://schemas.openxmlformats.org/drawingml/2006/main">
-            <a:r>
-              <a:rPr b="0" dirty="0"/>
-              <a:t>No alt text provided</a:t>
-            </a:r>
-            <a:endParaRPr dirty="0"/>
-          </a:p>
-          <a:p xmlns:a="http://schemas.openxmlformats.org/drawingml/2006/main">
-            <a:r>
-              <a:rPr b="0" dirty="0"/>
-              <a:t/>
-            </a:r>
-            <a:endParaRPr dirty="0"/>
-          </a:p>
-          <a:p xmlns:a="http://schemas.openxmlformats.org/drawingml/2006/main">
-            <a:r>
-              <a:rPr b="1" dirty="0"/>
-              <a:t>Profit by Coffee Type</a:t>
-            </a:r>
-            <a:endParaRPr dirty="0"/>
-          </a:p>
-          <a:p xmlns:a="http://schemas.openxmlformats.org/drawingml/2006/main">
-            <a:r>
-              <a:rPr b="0" dirty="0"/>
-              <a:t>No alt text provided</a:t>
-            </a:r>
-            <a:endParaRPr dirty="0"/>
-          </a:p>
-          <a:p xmlns:a="http://schemas.openxmlformats.org/drawingml/2006/main">
-            <a:r>
-              <a:rPr b="0" dirty="0"/>
-              <a:t/>
-            </a:r>
-            <a:endParaRPr dirty="0"/>
-          </a:p>
-          <a:p xmlns:a="http://schemas.openxmlformats.org/drawingml/2006/main">
-            <a:r>
-              <a:rPr b="1" dirty="0"/>
-              <a:t>Top 10 Customer List (2019 - 2021)</a:t>
-            </a:r>
-            <a:endParaRPr dirty="0"/>
-          </a:p>
-          <a:p xmlns:a="http://schemas.openxmlformats.org/drawingml/2006/main">
-            <a:r>
-              <a:rPr b="0" dirty="0"/>
-              <a:t>No alt text provided</a:t>
-            </a:r>
-            <a:endParaRPr dirty="0"/>
-          </a:p>
-          <a:p xmlns:a="http://schemas.openxmlformats.org/drawingml/2006/main">
-            <a:r>
-              <a:rPr b="0" dirty="0"/>
-              <a:t/>
-            </a:r>
-            <a:endParaRPr dirty="0"/>
-          </a:p>
-          <a:p xmlns:a="http://schemas.openxmlformats.org/drawingml/2006/main">
-            <a:r>
-              <a:rPr b="1" dirty="0"/>
-              <a:t>Order Date</a:t>
-            </a:r>
-            <a:endParaRPr dirty="0"/>
-          </a:p>
-          <a:p xmlns:a="http://schemas.openxmlformats.org/drawingml/2006/main">
-            <a:r>
-              <a:rPr b="0" dirty="0"/>
-              <a:t>No alt text provided</a:t>
-            </a:r>
-            <a:endParaRPr dirty="0"/>
-          </a:p>
-          <a:p xmlns:a="http://schemas.openxmlformats.org/drawingml/2006/main">
-            <a:r>
-              <a:rPr b="0" dirty="0"/>
-              <a:t/>
-            </a:r>
-            <a:endParaRPr dirty="0"/>
-          </a:p>
-          <a:p xmlns:a="http://schemas.openxmlformats.org/drawingml/2006/main">
-            <a:r>
-              <a:rPr b="1" dirty="0"/>
-              <a:t>card</a:t>
-            </a:r>
-            <a:endParaRPr dirty="0"/>
-          </a:p>
-          <a:p xmlns:a="http://schemas.openxmlformats.org/drawingml/2006/main">
-            <a:r>
-              <a:rPr b="0" dirty="0"/>
-              <a:t>No alt text provided</a:t>
-            </a:r>
-            <a:endParaRPr dirty="0"/>
-          </a:p>
-          <a:p xmlns:a="http://schemas.openxmlformats.org/drawingml/2006/main">
-            <a:r>
-              <a:rPr b="0" dirty="0"/>
-              <a:t/>
-            </a:r>
-            <a:endParaRPr dirty="0"/>
-          </a:p>
-          <a:p xmlns:a="http://schemas.openxmlformats.org/drawingml/2006/main">
-            <a:r>
-              <a:rPr b="1" dirty="0"/>
-              <a:t>card</a:t>
-            </a:r>
-            <a:endParaRPr dirty="0"/>
-          </a:p>
-          <a:p xmlns:a="http://schemas.openxmlformats.org/drawingml/2006/main">
-            <a:r>
-              <a:rPr b="0" dirty="0"/>
-              <a:t>No alt text provided</a:t>
-            </a:r>
-            <a:endParaRPr dirty="0"/>
-          </a:p>
-          <a:p xmlns:a="http://schemas.openxmlformats.org/drawingml/2006/main">
-            <a:r>
-              <a:rPr b="0" dirty="0"/>
-              <a:t/>
-            </a:r>
-            <a:endParaRPr dirty="0"/>
-          </a:p>
-          <a:p xmlns:a="http://schemas.openxmlformats.org/drawingml/2006/main">
-            <a:r>
-              <a:rPr b="1" dirty="0"/>
-              <a:t>card</a:t>
-            </a:r>
-            <a:endParaRPr dirty="0"/>
-          </a:p>
-          <a:p xmlns:a="http://schemas.openxmlformats.org/drawingml/2006/main">
-            <a:r>
-              <a:rPr b="0" dirty="0"/>
-              <a:t>No alt text provided</a:t>
-            </a:r>
-            <a:endParaRPr dirty="0"/>
-          </a:p>
-          <a:p xmlns:a="http://schemas.openxmlformats.org/drawingml/2006/main">
-            <a:r>
-              <a:rPr b="0" dirty="0"/>
-              <a:t/>
-            </a:r>
-            <a:endParaRPr dirty="0"/>
-          </a:p>
-          <a:p xmlns:a="http://schemas.openxmlformats.org/drawingml/2006/main">
-            <a:r>
-              <a:rPr b="1" dirty="0"/>
-              <a:t>textbox</a:t>
-            </a:r>
-            <a:endParaRPr dirty="0"/>
-          </a:p>
-          <a:p xmlns:a="http://schemas.openxmlformats.org/drawingml/2006/main">
-            <a:r>
-              <a:rPr b="0" dirty="0"/>
-              <a:t>No alt text provided</a:t>
-            </a:r>
-            <a:endParaRPr dirty="0"/>
-          </a:p>
-          <a:p xmlns:a="http://schemas.openxmlformats.org/drawingml/2006/main">
-            <a:r>
-              <a:rPr b="0" dirty="0"/>
-              <a:t/>
-            </a:r>
-            <a:endParaRPr dirty="0"/>
-          </a:p>
-          <a:p xmlns:a="http://schemas.openxmlformats.org/drawingml/2006/main">
-            <a:r>
-              <a:rPr b="1" dirty="0"/>
-              <a:t>textbox</a:t>
-            </a:r>
-            <a:endParaRPr dirty="0"/>
-          </a:p>
-          <a:p xmlns:a="http://schemas.openxmlformats.org/drawingml/2006/main">
-            <a:r>
-              <a:rPr b="0" dirty="0"/>
-              <a:t>No alt text provided</a:t>
-            </a:r>
-            <a:endParaRPr dirty="0"/>
-          </a:p>
-          <a:p xmlns:a="http://schemas.openxmlformats.org/drawingml/2006/main">
-            <a:r>
-              <a:rPr b="0" dirty="0"/>
-              <a:t/>
-            </a:r>
-            <a:endParaRPr dirty="0"/>
-          </a:p>
-          <a:p xmlns:a="http://schemas.openxmlformats.org/drawingml/2006/main">
-            <a:r>
-              <a:rPr b="1" dirty="0"/>
-              <a:t>card</a:t>
-            </a:r>
-            <a:endParaRPr dirty="0"/>
-          </a:p>
-          <a:p xmlns:a="http://schemas.openxmlformats.org/drawingml/2006/main">
-            <a:r>
-              <a:rPr b="0" dirty="0"/>
-              <a:t>No alt text provided</a:t>
-            </a:r>
-            <a:endParaRPr dirty="0"/>
-          </a:p>
-          <a:p xmlns:a="http://schemas.openxmlformats.org/drawingml/2006/main">
-            <a:r>
-              <a:rPr b="0" dirty="0"/>
-              <a:t/>
-            </a:r>
-            <a:endParaRPr dirty="0"/>
-          </a:p>
-        </p:txBody>
-      </p:sp>
-    </p:spTree>
-    <p:clrMapOvr>
-      <a:masterClrMapping xmlns:a="http://schemas.openxmlformats.org/drawingml/2006/main"/>
-    </p:clrMapOvr>
-  </p:cSld>
-</p:notes>
+<file path=ppt/revisionInfo.xml><?xml version="1.0" encoding="utf-8"?>
+<p1510:revInfo xmlns:a="http://schemas.openxmlformats.org/drawingml/2006/main" xmlns:r="http://schemas.openxmlformats.org/officeDocument/2006/relationships" xmlns:p1510="http://schemas.microsoft.com/office/powerpoint/2015/10/main">
+  <p1510:revLst>
+    <p1510:client id="{87BC108F-2AB8-48DA-AB49-F9E86BDDFE2F}" v="6" dt="2018-08-08T09:06:44.784"/>
+  </p1510:revLst>
+</p1510:revInfo>
 </file>
 
 <file path=ppt/slideLayouts/slideLayout1.xml><?xml version="1.0" encoding="utf-8"?>
@@ -397,7 +143,13 @@
       </p:grpSpPr>
       <p:sp>
         <p:nvSpPr>
-          <p:cNvPr id="2" name="Title 1"/>
+          <p:cNvPr id="2" name="Title 1">
+            <a:extLst>
+              <a:ext uri="{FF2B5EF4-FFF2-40B4-BE49-F238E27FC236}">
+                <a16:creationId xmlns:a16="http://schemas.microsoft.com/office/drawing/2014/main" id="{2A14106F-A246-2E48-9544-E8146AB80CF1}"/>
+              </a:ext>
+            </a:extLst>
+          </p:cNvPr>
           <p:cNvSpPr>
             <a:spLocks noGrp="1"/>
           </p:cNvSpPr>
@@ -428,7 +180,13 @@
       </p:sp>
       <p:sp>
         <p:nvSpPr>
-          <p:cNvPr id="3" name="Subtitle 2"/>
+          <p:cNvPr id="3" name="Subtitle 2">
+            <a:extLst>
+              <a:ext uri="{FF2B5EF4-FFF2-40B4-BE49-F238E27FC236}">
+                <a16:creationId xmlns:a16="http://schemas.microsoft.com/office/drawing/2014/main" id="{73229C53-2CA9-764A-93AB-ECAD546B01FA}"/>
+              </a:ext>
+            </a:extLst>
+          </p:cNvPr>
           <p:cNvSpPr>
             <a:spLocks noGrp="1"/>
           </p:cNvSpPr>
@@ -492,7 +250,13 @@
       </p:sp>
       <p:sp>
         <p:nvSpPr>
-          <p:cNvPr id="4" name="Date Placeholder 3"/>
+          <p:cNvPr id="4" name="Date Placeholder 3">
+            <a:extLst>
+              <a:ext uri="{FF2B5EF4-FFF2-40B4-BE49-F238E27FC236}">
+                <a16:creationId xmlns:a16="http://schemas.microsoft.com/office/drawing/2014/main" id="{766C782C-8745-7347-B6AC-4D8772289B98}"/>
+              </a:ext>
+            </a:extLst>
+          </p:cNvPr>
           <p:cNvSpPr>
             <a:spLocks noGrp="1"/>
           </p:cNvSpPr>
@@ -505,9 +269,9 @@
           <a:bodyPr/>
           <a:lstStyle/>
           <a:p>
-            <a:fld id="{627ED9C8-F09A-4D9E-BEC0-4725162E21FF}" type="datetimeFigureOut">
+            <a:fld id="{37A2730A-859E-B540-ADF3-E97069AD1FDB}" type="datetimeFigureOut">
               <a:rPr lang="en-US" smtClean="0"/>
-              <a:t>11/25/2020</a:t>
+              <a:t>9/18/2025</a:t>
             </a:fld>
             <a:endParaRPr lang="en-US"/>
           </a:p>
@@ -515,7 +279,13 @@
       </p:sp>
       <p:sp>
         <p:nvSpPr>
-          <p:cNvPr id="5" name="Footer Placeholder 4"/>
+          <p:cNvPr id="5" name="Footer Placeholder 4">
+            <a:extLst>
+              <a:ext uri="{FF2B5EF4-FFF2-40B4-BE49-F238E27FC236}">
+                <a16:creationId xmlns:a16="http://schemas.microsoft.com/office/drawing/2014/main" id="{0A1CFD0D-118D-4441-A91C-1B836A28AAD2}"/>
+              </a:ext>
+            </a:extLst>
+          </p:cNvPr>
           <p:cNvSpPr>
             <a:spLocks noGrp="1"/>
           </p:cNvSpPr>
@@ -534,7 +304,13 @@
       </p:sp>
       <p:sp>
         <p:nvSpPr>
-          <p:cNvPr id="6" name="Slide Number Placeholder 5"/>
+          <p:cNvPr id="6" name="Slide Number Placeholder 5">
+            <a:extLst>
+              <a:ext uri="{FF2B5EF4-FFF2-40B4-BE49-F238E27FC236}">
+                <a16:creationId xmlns:a16="http://schemas.microsoft.com/office/drawing/2014/main" id="{EACB8388-0632-6942-96AC-2D619404EDCE}"/>
+              </a:ext>
+            </a:extLst>
+          </p:cNvPr>
           <p:cNvSpPr>
             <a:spLocks noGrp="1"/>
           </p:cNvSpPr>
@@ -547,7 +323,7 @@
           <a:bodyPr/>
           <a:lstStyle/>
           <a:p>
-            <a:fld id="{8C7D807A-D3EC-4DEA-86E2-120E4093F1A6}" type="slidenum">
+            <a:fld id="{8E05DC9C-C50D-D242-B083-59CEE07163F1}" type="slidenum">
               <a:rPr lang="en-US" smtClean="0"/>
               <a:t>‹#›</a:t>
             </a:fld>
@@ -558,7 +334,7 @@
     </p:spTree>
     <p:extLst>
       <p:ext uri="{BB962C8B-B14F-4D97-AF65-F5344CB8AC3E}">
-        <p14:creationId xmlns:p14="http://schemas.microsoft.com/office/powerpoint/2010/main" val="1747689600"/>
+        <p14:creationId xmlns:p14="http://schemas.microsoft.com/office/powerpoint/2010/main" val="1151746138"/>
       </p:ext>
     </p:extLst>
   </p:cSld>
@@ -587,7 +363,13 @@
       </p:grpSpPr>
       <p:sp>
         <p:nvSpPr>
-          <p:cNvPr id="2" name="Title 1"/>
+          <p:cNvPr id="2" name="Title 1">
+            <a:extLst>
+              <a:ext uri="{FF2B5EF4-FFF2-40B4-BE49-F238E27FC236}">
+                <a16:creationId xmlns:a16="http://schemas.microsoft.com/office/drawing/2014/main" id="{FF659CC8-54DA-0A42-9DA3-C9E7FB11FDDF}"/>
+              </a:ext>
+            </a:extLst>
+          </p:cNvPr>
           <p:cNvSpPr>
             <a:spLocks noGrp="1"/>
           </p:cNvSpPr>
@@ -609,7 +391,13 @@
       </p:sp>
       <p:sp>
         <p:nvSpPr>
-          <p:cNvPr id="3" name="Vertical Text Placeholder 2"/>
+          <p:cNvPr id="3" name="Vertical Text Placeholder 2">
+            <a:extLst>
+              <a:ext uri="{FF2B5EF4-FFF2-40B4-BE49-F238E27FC236}">
+                <a16:creationId xmlns:a16="http://schemas.microsoft.com/office/drawing/2014/main" id="{E31DD596-2259-614F-A986-3F25CF600FDE}"/>
+              </a:ext>
+            </a:extLst>
+          </p:cNvPr>
           <p:cNvSpPr>
             <a:spLocks noGrp="1"/>
           </p:cNvSpPr>
@@ -660,7 +448,13 @@
       </p:sp>
       <p:sp>
         <p:nvSpPr>
-          <p:cNvPr id="4" name="Date Placeholder 3"/>
+          <p:cNvPr id="4" name="Date Placeholder 3">
+            <a:extLst>
+              <a:ext uri="{FF2B5EF4-FFF2-40B4-BE49-F238E27FC236}">
+                <a16:creationId xmlns:a16="http://schemas.microsoft.com/office/drawing/2014/main" id="{2FA5B1C8-F927-B147-8326-E3862924A8F1}"/>
+              </a:ext>
+            </a:extLst>
+          </p:cNvPr>
           <p:cNvSpPr>
             <a:spLocks noGrp="1"/>
           </p:cNvSpPr>
@@ -673,9 +467,9 @@
           <a:bodyPr/>
           <a:lstStyle/>
           <a:p>
-            <a:fld id="{627ED9C8-F09A-4D9E-BEC0-4725162E21FF}" type="datetimeFigureOut">
+            <a:fld id="{37A2730A-859E-B540-ADF3-E97069AD1FDB}" type="datetimeFigureOut">
               <a:rPr lang="en-US" smtClean="0"/>
-              <a:t>11/25/2020</a:t>
+              <a:t>9/18/2025</a:t>
             </a:fld>
             <a:endParaRPr lang="en-US"/>
           </a:p>
@@ -683,7 +477,13 @@
       </p:sp>
       <p:sp>
         <p:nvSpPr>
-          <p:cNvPr id="5" name="Footer Placeholder 4"/>
+          <p:cNvPr id="5" name="Footer Placeholder 4">
+            <a:extLst>
+              <a:ext uri="{FF2B5EF4-FFF2-40B4-BE49-F238E27FC236}">
+                <a16:creationId xmlns:a16="http://schemas.microsoft.com/office/drawing/2014/main" id="{EC0B53A9-157A-9941-B952-607DAB5FA2A1}"/>
+              </a:ext>
+            </a:extLst>
+          </p:cNvPr>
           <p:cNvSpPr>
             <a:spLocks noGrp="1"/>
           </p:cNvSpPr>
@@ -702,7 +502,13 @@
       </p:sp>
       <p:sp>
         <p:nvSpPr>
-          <p:cNvPr id="6" name="Slide Number Placeholder 5"/>
+          <p:cNvPr id="6" name="Slide Number Placeholder 5">
+            <a:extLst>
+              <a:ext uri="{FF2B5EF4-FFF2-40B4-BE49-F238E27FC236}">
+                <a16:creationId xmlns:a16="http://schemas.microsoft.com/office/drawing/2014/main" id="{13CF697C-66DE-734A-9CA9-579BCEA17025}"/>
+              </a:ext>
+            </a:extLst>
+          </p:cNvPr>
           <p:cNvSpPr>
             <a:spLocks noGrp="1"/>
           </p:cNvSpPr>
@@ -715,7 +521,7 @@
           <a:bodyPr/>
           <a:lstStyle/>
           <a:p>
-            <a:fld id="{8C7D807A-D3EC-4DEA-86E2-120E4093F1A6}" type="slidenum">
+            <a:fld id="{8E05DC9C-C50D-D242-B083-59CEE07163F1}" type="slidenum">
               <a:rPr lang="en-US" smtClean="0"/>
               <a:t>‹#›</a:t>
             </a:fld>
@@ -726,7 +532,7 @@
     </p:spTree>
     <p:extLst>
       <p:ext uri="{BB962C8B-B14F-4D97-AF65-F5344CB8AC3E}">
-        <p14:creationId xmlns:p14="http://schemas.microsoft.com/office/powerpoint/2010/main" val="553214220"/>
+        <p14:creationId xmlns:p14="http://schemas.microsoft.com/office/powerpoint/2010/main" val="401388330"/>
       </p:ext>
     </p:extLst>
   </p:cSld>
@@ -755,7 +561,13 @@
       </p:grpSpPr>
       <p:sp>
         <p:nvSpPr>
-          <p:cNvPr id="2" name="Vertical Title 1"/>
+          <p:cNvPr id="2" name="Vertical Title 1">
+            <a:extLst>
+              <a:ext uri="{FF2B5EF4-FFF2-40B4-BE49-F238E27FC236}">
+                <a16:creationId xmlns:a16="http://schemas.microsoft.com/office/drawing/2014/main" id="{2BFAABD5-DA08-A547-B641-D0E088917286}"/>
+              </a:ext>
+            </a:extLst>
+          </p:cNvPr>
           <p:cNvSpPr>
             <a:spLocks noGrp="1"/>
           </p:cNvSpPr>
@@ -782,7 +594,13 @@
       </p:sp>
       <p:sp>
         <p:nvSpPr>
-          <p:cNvPr id="3" name="Vertical Text Placeholder 2"/>
+          <p:cNvPr id="3" name="Vertical Text Placeholder 2">
+            <a:extLst>
+              <a:ext uri="{FF2B5EF4-FFF2-40B4-BE49-F238E27FC236}">
+                <a16:creationId xmlns:a16="http://schemas.microsoft.com/office/drawing/2014/main" id="{C2B8267B-68DB-BD49-A9B4-434AE7BB23F1}"/>
+              </a:ext>
+            </a:extLst>
+          </p:cNvPr>
           <p:cNvSpPr>
             <a:spLocks noGrp="1"/>
           </p:cNvSpPr>
@@ -838,7 +656,13 @@
       </p:sp>
       <p:sp>
         <p:nvSpPr>
-          <p:cNvPr id="4" name="Date Placeholder 3"/>
+          <p:cNvPr id="4" name="Date Placeholder 3">
+            <a:extLst>
+              <a:ext uri="{FF2B5EF4-FFF2-40B4-BE49-F238E27FC236}">
+                <a16:creationId xmlns:a16="http://schemas.microsoft.com/office/drawing/2014/main" id="{0ED2D5EC-A445-FF43-82E6-1E7554A5DCB3}"/>
+              </a:ext>
+            </a:extLst>
+          </p:cNvPr>
           <p:cNvSpPr>
             <a:spLocks noGrp="1"/>
           </p:cNvSpPr>
@@ -851,9 +675,9 @@
           <a:bodyPr/>
           <a:lstStyle/>
           <a:p>
-            <a:fld id="{627ED9C8-F09A-4D9E-BEC0-4725162E21FF}" type="datetimeFigureOut">
+            <a:fld id="{37A2730A-859E-B540-ADF3-E97069AD1FDB}" type="datetimeFigureOut">
               <a:rPr lang="en-US" smtClean="0"/>
-              <a:t>11/25/2020</a:t>
+              <a:t>9/18/2025</a:t>
             </a:fld>
             <a:endParaRPr lang="en-US"/>
           </a:p>
@@ -861,7 +685,13 @@
       </p:sp>
       <p:sp>
         <p:nvSpPr>
-          <p:cNvPr id="5" name="Footer Placeholder 4"/>
+          <p:cNvPr id="5" name="Footer Placeholder 4">
+            <a:extLst>
+              <a:ext uri="{FF2B5EF4-FFF2-40B4-BE49-F238E27FC236}">
+                <a16:creationId xmlns:a16="http://schemas.microsoft.com/office/drawing/2014/main" id="{5A76C67B-5186-6A4F-8CC0-6CBFEB11829F}"/>
+              </a:ext>
+            </a:extLst>
+          </p:cNvPr>
           <p:cNvSpPr>
             <a:spLocks noGrp="1"/>
           </p:cNvSpPr>
@@ -880,7 +710,13 @@
       </p:sp>
       <p:sp>
         <p:nvSpPr>
-          <p:cNvPr id="6" name="Slide Number Placeholder 5"/>
+          <p:cNvPr id="6" name="Slide Number Placeholder 5">
+            <a:extLst>
+              <a:ext uri="{FF2B5EF4-FFF2-40B4-BE49-F238E27FC236}">
+                <a16:creationId xmlns:a16="http://schemas.microsoft.com/office/drawing/2014/main" id="{EABF1686-2B7E-F34D-B970-CC7FA2D3BC5B}"/>
+              </a:ext>
+            </a:extLst>
+          </p:cNvPr>
           <p:cNvSpPr>
             <a:spLocks noGrp="1"/>
           </p:cNvSpPr>
@@ -893,7 +729,7 @@
           <a:bodyPr/>
           <a:lstStyle/>
           <a:p>
-            <a:fld id="{8C7D807A-D3EC-4DEA-86E2-120E4093F1A6}" type="slidenum">
+            <a:fld id="{8E05DC9C-C50D-D242-B083-59CEE07163F1}" type="slidenum">
               <a:rPr lang="en-US" smtClean="0"/>
               <a:t>‹#›</a:t>
             </a:fld>
@@ -904,7 +740,7 @@
     </p:spTree>
     <p:extLst>
       <p:ext uri="{BB962C8B-B14F-4D97-AF65-F5344CB8AC3E}">
-        <p14:creationId xmlns:p14="http://schemas.microsoft.com/office/powerpoint/2010/main" val="2982640967"/>
+        <p14:creationId xmlns:p14="http://schemas.microsoft.com/office/powerpoint/2010/main" val="2337161795"/>
       </p:ext>
     </p:extLst>
   </p:cSld>
@@ -933,7 +769,13 @@
       </p:grpSpPr>
       <p:sp>
         <p:nvSpPr>
-          <p:cNvPr id="2" name="Title 1"/>
+          <p:cNvPr id="2" name="Title 1">
+            <a:extLst>
+              <a:ext uri="{FF2B5EF4-FFF2-40B4-BE49-F238E27FC236}">
+                <a16:creationId xmlns:a16="http://schemas.microsoft.com/office/drawing/2014/main" id="{48BFEA2F-4473-0948-AB43-EBE335118ACE}"/>
+              </a:ext>
+            </a:extLst>
+          </p:cNvPr>
           <p:cNvSpPr>
             <a:spLocks noGrp="1"/>
           </p:cNvSpPr>
@@ -955,7 +797,13 @@
       </p:sp>
       <p:sp>
         <p:nvSpPr>
-          <p:cNvPr id="3" name="Content Placeholder 2"/>
+          <p:cNvPr id="3" name="Content Placeholder 2">
+            <a:extLst>
+              <a:ext uri="{FF2B5EF4-FFF2-40B4-BE49-F238E27FC236}">
+                <a16:creationId xmlns:a16="http://schemas.microsoft.com/office/drawing/2014/main" id="{5708B151-747D-604F-903D-9A920F3178C3}"/>
+              </a:ext>
+            </a:extLst>
+          </p:cNvPr>
           <p:cNvSpPr>
             <a:spLocks noGrp="1"/>
           </p:cNvSpPr>
@@ -1006,7 +854,13 @@
       </p:sp>
       <p:sp>
         <p:nvSpPr>
-          <p:cNvPr id="4" name="Date Placeholder 3"/>
+          <p:cNvPr id="4" name="Date Placeholder 3">
+            <a:extLst>
+              <a:ext uri="{FF2B5EF4-FFF2-40B4-BE49-F238E27FC236}">
+                <a16:creationId xmlns:a16="http://schemas.microsoft.com/office/drawing/2014/main" id="{8B047E0C-8A67-AE45-9E33-B90E65F82661}"/>
+              </a:ext>
+            </a:extLst>
+          </p:cNvPr>
           <p:cNvSpPr>
             <a:spLocks noGrp="1"/>
           </p:cNvSpPr>
@@ -1019,9 +873,9 @@
           <a:bodyPr/>
           <a:lstStyle/>
           <a:p>
-            <a:fld id="{627ED9C8-F09A-4D9E-BEC0-4725162E21FF}" type="datetimeFigureOut">
+            <a:fld id="{37A2730A-859E-B540-ADF3-E97069AD1FDB}" type="datetimeFigureOut">
               <a:rPr lang="en-US" smtClean="0"/>
-              <a:t>11/25/2020</a:t>
+              <a:t>9/18/2025</a:t>
             </a:fld>
             <a:endParaRPr lang="en-US"/>
           </a:p>
@@ -1029,7 +883,13 @@
       </p:sp>
       <p:sp>
         <p:nvSpPr>
-          <p:cNvPr id="5" name="Footer Placeholder 4"/>
+          <p:cNvPr id="5" name="Footer Placeholder 4">
+            <a:extLst>
+              <a:ext uri="{FF2B5EF4-FFF2-40B4-BE49-F238E27FC236}">
+                <a16:creationId xmlns:a16="http://schemas.microsoft.com/office/drawing/2014/main" id="{702C27D1-B1FA-884E-BB86-6AA912AD2C12}"/>
+              </a:ext>
+            </a:extLst>
+          </p:cNvPr>
           <p:cNvSpPr>
             <a:spLocks noGrp="1"/>
           </p:cNvSpPr>
@@ -1048,7 +908,13 @@
       </p:sp>
       <p:sp>
         <p:nvSpPr>
-          <p:cNvPr id="6" name="Slide Number Placeholder 5"/>
+          <p:cNvPr id="6" name="Slide Number Placeholder 5">
+            <a:extLst>
+              <a:ext uri="{FF2B5EF4-FFF2-40B4-BE49-F238E27FC236}">
+                <a16:creationId xmlns:a16="http://schemas.microsoft.com/office/drawing/2014/main" id="{7740875C-8A74-6B43-8AF6-63659F8EC74F}"/>
+              </a:ext>
+            </a:extLst>
+          </p:cNvPr>
           <p:cNvSpPr>
             <a:spLocks noGrp="1"/>
           </p:cNvSpPr>
@@ -1061,7 +927,7 @@
           <a:bodyPr/>
           <a:lstStyle/>
           <a:p>
-            <a:fld id="{8C7D807A-D3EC-4DEA-86E2-120E4093F1A6}" type="slidenum">
+            <a:fld id="{8E05DC9C-C50D-D242-B083-59CEE07163F1}" type="slidenum">
               <a:rPr lang="en-US" smtClean="0"/>
               <a:t>‹#›</a:t>
             </a:fld>
@@ -1072,7 +938,7 @@
     </p:spTree>
     <p:extLst>
       <p:ext uri="{BB962C8B-B14F-4D97-AF65-F5344CB8AC3E}">
-        <p14:creationId xmlns:p14="http://schemas.microsoft.com/office/powerpoint/2010/main" val="214498519"/>
+        <p14:creationId xmlns:p14="http://schemas.microsoft.com/office/powerpoint/2010/main" val="4219327049"/>
       </p:ext>
     </p:extLst>
   </p:cSld>
@@ -1101,7 +967,13 @@
       </p:grpSpPr>
       <p:sp>
         <p:nvSpPr>
-          <p:cNvPr id="2" name="Title 1"/>
+          <p:cNvPr id="2" name="Title 1">
+            <a:extLst>
+              <a:ext uri="{FF2B5EF4-FFF2-40B4-BE49-F238E27FC236}">
+                <a16:creationId xmlns:a16="http://schemas.microsoft.com/office/drawing/2014/main" id="{58B73F97-6513-314A-BEB3-8AC3A43CEF62}"/>
+              </a:ext>
+            </a:extLst>
+          </p:cNvPr>
           <p:cNvSpPr>
             <a:spLocks noGrp="1"/>
           </p:cNvSpPr>
@@ -1132,7 +1004,13 @@
       </p:sp>
       <p:sp>
         <p:nvSpPr>
-          <p:cNvPr id="3" name="Text Placeholder 2"/>
+          <p:cNvPr id="3" name="Text Placeholder 2">
+            <a:extLst>
+              <a:ext uri="{FF2B5EF4-FFF2-40B4-BE49-F238E27FC236}">
+                <a16:creationId xmlns:a16="http://schemas.microsoft.com/office/drawing/2014/main" id="{4BAC1008-6364-A640-BA0B-D8775884B51B}"/>
+              </a:ext>
+            </a:extLst>
+          </p:cNvPr>
           <p:cNvSpPr>
             <a:spLocks noGrp="1"/>
           </p:cNvSpPr>
@@ -1251,7 +1129,13 @@
       </p:sp>
       <p:sp>
         <p:nvSpPr>
-          <p:cNvPr id="4" name="Date Placeholder 3"/>
+          <p:cNvPr id="4" name="Date Placeholder 3">
+            <a:extLst>
+              <a:ext uri="{FF2B5EF4-FFF2-40B4-BE49-F238E27FC236}">
+                <a16:creationId xmlns:a16="http://schemas.microsoft.com/office/drawing/2014/main" id="{3A5AB27E-7D19-9148-AFBE-D10DF7C15B9E}"/>
+              </a:ext>
+            </a:extLst>
+          </p:cNvPr>
           <p:cNvSpPr>
             <a:spLocks noGrp="1"/>
           </p:cNvSpPr>
@@ -1264,9 +1148,9 @@
           <a:bodyPr/>
           <a:lstStyle/>
           <a:p>
-            <a:fld id="{627ED9C8-F09A-4D9E-BEC0-4725162E21FF}" type="datetimeFigureOut">
+            <a:fld id="{37A2730A-859E-B540-ADF3-E97069AD1FDB}" type="datetimeFigureOut">
               <a:rPr lang="en-US" smtClean="0"/>
-              <a:t>11/25/2020</a:t>
+              <a:t>9/18/2025</a:t>
             </a:fld>
             <a:endParaRPr lang="en-US"/>
           </a:p>
@@ -1274,7 +1158,13 @@
       </p:sp>
       <p:sp>
         <p:nvSpPr>
-          <p:cNvPr id="5" name="Footer Placeholder 4"/>
+          <p:cNvPr id="5" name="Footer Placeholder 4">
+            <a:extLst>
+              <a:ext uri="{FF2B5EF4-FFF2-40B4-BE49-F238E27FC236}">
+                <a16:creationId xmlns:a16="http://schemas.microsoft.com/office/drawing/2014/main" id="{FF17AB2F-DBDD-3343-AB56-539EF251BC13}"/>
+              </a:ext>
+            </a:extLst>
+          </p:cNvPr>
           <p:cNvSpPr>
             <a:spLocks noGrp="1"/>
           </p:cNvSpPr>
@@ -1293,7 +1183,13 @@
       </p:sp>
       <p:sp>
         <p:nvSpPr>
-          <p:cNvPr id="6" name="Slide Number Placeholder 5"/>
+          <p:cNvPr id="6" name="Slide Number Placeholder 5">
+            <a:extLst>
+              <a:ext uri="{FF2B5EF4-FFF2-40B4-BE49-F238E27FC236}">
+                <a16:creationId xmlns:a16="http://schemas.microsoft.com/office/drawing/2014/main" id="{5982543B-D933-004D-99FF-224DE8B9700E}"/>
+              </a:ext>
+            </a:extLst>
+          </p:cNvPr>
           <p:cNvSpPr>
             <a:spLocks noGrp="1"/>
           </p:cNvSpPr>
@@ -1306,7 +1202,7 @@
           <a:bodyPr/>
           <a:lstStyle/>
           <a:p>
-            <a:fld id="{8C7D807A-D3EC-4DEA-86E2-120E4093F1A6}" type="slidenum">
+            <a:fld id="{8E05DC9C-C50D-D242-B083-59CEE07163F1}" type="slidenum">
               <a:rPr lang="en-US" smtClean="0"/>
               <a:t>‹#›</a:t>
             </a:fld>
@@ -1317,7 +1213,7 @@
     </p:spTree>
     <p:extLst>
       <p:ext uri="{BB962C8B-B14F-4D97-AF65-F5344CB8AC3E}">
-        <p14:creationId xmlns:p14="http://schemas.microsoft.com/office/powerpoint/2010/main" val="1026881434"/>
+        <p14:creationId xmlns:p14="http://schemas.microsoft.com/office/powerpoint/2010/main" val="3332993733"/>
       </p:ext>
     </p:extLst>
   </p:cSld>
@@ -1346,7 +1242,13 @@
       </p:grpSpPr>
       <p:sp>
         <p:nvSpPr>
-          <p:cNvPr id="2" name="Title 1"/>
+          <p:cNvPr id="2" name="Title 1">
+            <a:extLst>
+              <a:ext uri="{FF2B5EF4-FFF2-40B4-BE49-F238E27FC236}">
+                <a16:creationId xmlns:a16="http://schemas.microsoft.com/office/drawing/2014/main" id="{5D7E5657-C487-1D4B-9C65-4DD0F323D1E6}"/>
+              </a:ext>
+            </a:extLst>
+          </p:cNvPr>
           <p:cNvSpPr>
             <a:spLocks noGrp="1"/>
           </p:cNvSpPr>
@@ -1368,7 +1270,13 @@
       </p:sp>
       <p:sp>
         <p:nvSpPr>
-          <p:cNvPr id="3" name="Content Placeholder 2"/>
+          <p:cNvPr id="3" name="Content Placeholder 2">
+            <a:extLst>
+              <a:ext uri="{FF2B5EF4-FFF2-40B4-BE49-F238E27FC236}">
+                <a16:creationId xmlns:a16="http://schemas.microsoft.com/office/drawing/2014/main" id="{2FBF2E6E-20E6-9043-A03F-A481416CA8EB}"/>
+              </a:ext>
+            </a:extLst>
+          </p:cNvPr>
           <p:cNvSpPr>
             <a:spLocks noGrp="1"/>
           </p:cNvSpPr>
@@ -1424,7 +1332,13 @@
       </p:sp>
       <p:sp>
         <p:nvSpPr>
-          <p:cNvPr id="4" name="Content Placeholder 3"/>
+          <p:cNvPr id="4" name="Content Placeholder 3">
+            <a:extLst>
+              <a:ext uri="{FF2B5EF4-FFF2-40B4-BE49-F238E27FC236}">
+                <a16:creationId xmlns:a16="http://schemas.microsoft.com/office/drawing/2014/main" id="{DECB42E3-D2BE-6F4D-92FC-1494FD65C170}"/>
+              </a:ext>
+            </a:extLst>
+          </p:cNvPr>
           <p:cNvSpPr>
             <a:spLocks noGrp="1"/>
           </p:cNvSpPr>
@@ -1480,7 +1394,13 @@
       </p:sp>
       <p:sp>
         <p:nvSpPr>
-          <p:cNvPr id="5" name="Date Placeholder 4"/>
+          <p:cNvPr id="5" name="Date Placeholder 4">
+            <a:extLst>
+              <a:ext uri="{FF2B5EF4-FFF2-40B4-BE49-F238E27FC236}">
+                <a16:creationId xmlns:a16="http://schemas.microsoft.com/office/drawing/2014/main" id="{C2A5245B-18BD-FF4F-92B6-242006FB81F1}"/>
+              </a:ext>
+            </a:extLst>
+          </p:cNvPr>
           <p:cNvSpPr>
             <a:spLocks noGrp="1"/>
           </p:cNvSpPr>
@@ -1493,9 +1413,9 @@
           <a:bodyPr/>
           <a:lstStyle/>
           <a:p>
-            <a:fld id="{627ED9C8-F09A-4D9E-BEC0-4725162E21FF}" type="datetimeFigureOut">
+            <a:fld id="{37A2730A-859E-B540-ADF3-E97069AD1FDB}" type="datetimeFigureOut">
               <a:rPr lang="en-US" smtClean="0"/>
-              <a:t>11/25/2020</a:t>
+              <a:t>9/18/2025</a:t>
             </a:fld>
             <a:endParaRPr lang="en-US"/>
           </a:p>
@@ -1503,7 +1423,13 @@
       </p:sp>
       <p:sp>
         <p:nvSpPr>
-          <p:cNvPr id="6" name="Footer Placeholder 5"/>
+          <p:cNvPr id="6" name="Footer Placeholder 5">
+            <a:extLst>
+              <a:ext uri="{FF2B5EF4-FFF2-40B4-BE49-F238E27FC236}">
+                <a16:creationId xmlns:a16="http://schemas.microsoft.com/office/drawing/2014/main" id="{BE081255-874F-754B-A47E-861DA0CD158A}"/>
+              </a:ext>
+            </a:extLst>
+          </p:cNvPr>
           <p:cNvSpPr>
             <a:spLocks noGrp="1"/>
           </p:cNvSpPr>
@@ -1522,7 +1448,13 @@
       </p:sp>
       <p:sp>
         <p:nvSpPr>
-          <p:cNvPr id="7" name="Slide Number Placeholder 6"/>
+          <p:cNvPr id="7" name="Slide Number Placeholder 6">
+            <a:extLst>
+              <a:ext uri="{FF2B5EF4-FFF2-40B4-BE49-F238E27FC236}">
+                <a16:creationId xmlns:a16="http://schemas.microsoft.com/office/drawing/2014/main" id="{00E19D76-7CF9-AC46-8DF1-89FFCD7B2D7E}"/>
+              </a:ext>
+            </a:extLst>
+          </p:cNvPr>
           <p:cNvSpPr>
             <a:spLocks noGrp="1"/>
           </p:cNvSpPr>
@@ -1535,7 +1467,7 @@
           <a:bodyPr/>
           <a:lstStyle/>
           <a:p>
-            <a:fld id="{8C7D807A-D3EC-4DEA-86E2-120E4093F1A6}" type="slidenum">
+            <a:fld id="{8E05DC9C-C50D-D242-B083-59CEE07163F1}" type="slidenum">
               <a:rPr lang="en-US" smtClean="0"/>
               <a:t>‹#›</a:t>
             </a:fld>
@@ -1546,7 +1478,7 @@
     </p:spTree>
     <p:extLst>
       <p:ext uri="{BB962C8B-B14F-4D97-AF65-F5344CB8AC3E}">
-        <p14:creationId xmlns:p14="http://schemas.microsoft.com/office/powerpoint/2010/main" val="1004331513"/>
+        <p14:creationId xmlns:p14="http://schemas.microsoft.com/office/powerpoint/2010/main" val="999621691"/>
       </p:ext>
     </p:extLst>
   </p:cSld>
@@ -1575,7 +1507,13 @@
       </p:grpSpPr>
       <p:sp>
         <p:nvSpPr>
-          <p:cNvPr id="2" name="Title 1"/>
+          <p:cNvPr id="2" name="Title 1">
+            <a:extLst>
+              <a:ext uri="{FF2B5EF4-FFF2-40B4-BE49-F238E27FC236}">
+                <a16:creationId xmlns:a16="http://schemas.microsoft.com/office/drawing/2014/main" id="{5C93E17C-5F89-8D43-BA72-7627FFCB128B}"/>
+              </a:ext>
+            </a:extLst>
+          </p:cNvPr>
           <p:cNvSpPr>
             <a:spLocks noGrp="1"/>
           </p:cNvSpPr>
@@ -1602,7 +1540,13 @@
       </p:sp>
       <p:sp>
         <p:nvSpPr>
-          <p:cNvPr id="3" name="Text Placeholder 2"/>
+          <p:cNvPr id="3" name="Text Placeholder 2">
+            <a:extLst>
+              <a:ext uri="{FF2B5EF4-FFF2-40B4-BE49-F238E27FC236}">
+                <a16:creationId xmlns:a16="http://schemas.microsoft.com/office/drawing/2014/main" id="{D3969009-5908-0446-A2D3-27CA7612D79B}"/>
+              </a:ext>
+            </a:extLst>
+          </p:cNvPr>
           <p:cNvSpPr>
             <a:spLocks noGrp="1"/>
           </p:cNvSpPr>
@@ -1667,7 +1611,13 @@
       </p:sp>
       <p:sp>
         <p:nvSpPr>
-          <p:cNvPr id="4" name="Content Placeholder 3"/>
+          <p:cNvPr id="4" name="Content Placeholder 3">
+            <a:extLst>
+              <a:ext uri="{FF2B5EF4-FFF2-40B4-BE49-F238E27FC236}">
+                <a16:creationId xmlns:a16="http://schemas.microsoft.com/office/drawing/2014/main" id="{F2A4F87B-6AD1-4F41-B65A-1712AF5CC500}"/>
+              </a:ext>
+            </a:extLst>
+          </p:cNvPr>
           <p:cNvSpPr>
             <a:spLocks noGrp="1"/>
           </p:cNvSpPr>
@@ -1723,7 +1673,13 @@
       </p:sp>
       <p:sp>
         <p:nvSpPr>
-          <p:cNvPr id="5" name="Text Placeholder 4"/>
+          <p:cNvPr id="5" name="Text Placeholder 4">
+            <a:extLst>
+              <a:ext uri="{FF2B5EF4-FFF2-40B4-BE49-F238E27FC236}">
+                <a16:creationId xmlns:a16="http://schemas.microsoft.com/office/drawing/2014/main" id="{E39BD845-9E91-C744-AC94-1F3B0763A6B7}"/>
+              </a:ext>
+            </a:extLst>
+          </p:cNvPr>
           <p:cNvSpPr>
             <a:spLocks noGrp="1"/>
           </p:cNvSpPr>
@@ -1788,7 +1744,13 @@
       </p:sp>
       <p:sp>
         <p:nvSpPr>
-          <p:cNvPr id="6" name="Content Placeholder 5"/>
+          <p:cNvPr id="6" name="Content Placeholder 5">
+            <a:extLst>
+              <a:ext uri="{FF2B5EF4-FFF2-40B4-BE49-F238E27FC236}">
+                <a16:creationId xmlns:a16="http://schemas.microsoft.com/office/drawing/2014/main" id="{305476AE-7625-BD41-9CA9-51364370D38F}"/>
+              </a:ext>
+            </a:extLst>
+          </p:cNvPr>
           <p:cNvSpPr>
             <a:spLocks noGrp="1"/>
           </p:cNvSpPr>
@@ -1844,7 +1806,13 @@
       </p:sp>
       <p:sp>
         <p:nvSpPr>
-          <p:cNvPr id="7" name="Date Placeholder 6"/>
+          <p:cNvPr id="7" name="Date Placeholder 6">
+            <a:extLst>
+              <a:ext uri="{FF2B5EF4-FFF2-40B4-BE49-F238E27FC236}">
+                <a16:creationId xmlns:a16="http://schemas.microsoft.com/office/drawing/2014/main" id="{A5E53358-AC69-5B4B-A141-FBCF7AC85089}"/>
+              </a:ext>
+            </a:extLst>
+          </p:cNvPr>
           <p:cNvSpPr>
             <a:spLocks noGrp="1"/>
           </p:cNvSpPr>
@@ -1857,9 +1825,9 @@
           <a:bodyPr/>
           <a:lstStyle/>
           <a:p>
-            <a:fld id="{627ED9C8-F09A-4D9E-BEC0-4725162E21FF}" type="datetimeFigureOut">
+            <a:fld id="{37A2730A-859E-B540-ADF3-E97069AD1FDB}" type="datetimeFigureOut">
               <a:rPr lang="en-US" smtClean="0"/>
-              <a:t>11/25/2020</a:t>
+              <a:t>9/18/2025</a:t>
             </a:fld>
             <a:endParaRPr lang="en-US"/>
           </a:p>
@@ -1867,7 +1835,13 @@
       </p:sp>
       <p:sp>
         <p:nvSpPr>
-          <p:cNvPr id="8" name="Footer Placeholder 7"/>
+          <p:cNvPr id="8" name="Footer Placeholder 7">
+            <a:extLst>
+              <a:ext uri="{FF2B5EF4-FFF2-40B4-BE49-F238E27FC236}">
+                <a16:creationId xmlns:a16="http://schemas.microsoft.com/office/drawing/2014/main" id="{D9FCEA71-D074-9149-9053-65C6E547F043}"/>
+              </a:ext>
+            </a:extLst>
+          </p:cNvPr>
           <p:cNvSpPr>
             <a:spLocks noGrp="1"/>
           </p:cNvSpPr>
@@ -1886,7 +1860,13 @@
       </p:sp>
       <p:sp>
         <p:nvSpPr>
-          <p:cNvPr id="9" name="Slide Number Placeholder 8"/>
+          <p:cNvPr id="9" name="Slide Number Placeholder 8">
+            <a:extLst>
+              <a:ext uri="{FF2B5EF4-FFF2-40B4-BE49-F238E27FC236}">
+                <a16:creationId xmlns:a16="http://schemas.microsoft.com/office/drawing/2014/main" id="{DAC57ED6-3E53-184B-96E1-A81C0B366A20}"/>
+              </a:ext>
+            </a:extLst>
+          </p:cNvPr>
           <p:cNvSpPr>
             <a:spLocks noGrp="1"/>
           </p:cNvSpPr>
@@ -1899,7 +1879,7 @@
           <a:bodyPr/>
           <a:lstStyle/>
           <a:p>
-            <a:fld id="{8C7D807A-D3EC-4DEA-86E2-120E4093F1A6}" type="slidenum">
+            <a:fld id="{8E05DC9C-C50D-D242-B083-59CEE07163F1}" type="slidenum">
               <a:rPr lang="en-US" smtClean="0"/>
               <a:t>‹#›</a:t>
             </a:fld>
@@ -1910,7 +1890,7 @@
     </p:spTree>
     <p:extLst>
       <p:ext uri="{BB962C8B-B14F-4D97-AF65-F5344CB8AC3E}">
-        <p14:creationId xmlns:p14="http://schemas.microsoft.com/office/powerpoint/2010/main" val="925692461"/>
+        <p14:creationId xmlns:p14="http://schemas.microsoft.com/office/powerpoint/2010/main" val="1337476017"/>
       </p:ext>
     </p:extLst>
   </p:cSld>
@@ -1939,7 +1919,13 @@
       </p:grpSpPr>
       <p:sp>
         <p:nvSpPr>
-          <p:cNvPr id="2" name="Title 1"/>
+          <p:cNvPr id="2" name="Title 1">
+            <a:extLst>
+              <a:ext uri="{FF2B5EF4-FFF2-40B4-BE49-F238E27FC236}">
+                <a16:creationId xmlns:a16="http://schemas.microsoft.com/office/drawing/2014/main" id="{44C97104-1EED-AC46-9BFE-74C4C8973880}"/>
+              </a:ext>
+            </a:extLst>
+          </p:cNvPr>
           <p:cNvSpPr>
             <a:spLocks noGrp="1"/>
           </p:cNvSpPr>
@@ -1961,7 +1947,13 @@
       </p:sp>
       <p:sp>
         <p:nvSpPr>
-          <p:cNvPr id="3" name="Date Placeholder 2"/>
+          <p:cNvPr id="3" name="Date Placeholder 2">
+            <a:extLst>
+              <a:ext uri="{FF2B5EF4-FFF2-40B4-BE49-F238E27FC236}">
+                <a16:creationId xmlns:a16="http://schemas.microsoft.com/office/drawing/2014/main" id="{A6CA8C08-9E8C-6741-A2F0-5FAB6AE5E4F9}"/>
+              </a:ext>
+            </a:extLst>
+          </p:cNvPr>
           <p:cNvSpPr>
             <a:spLocks noGrp="1"/>
           </p:cNvSpPr>
@@ -1974,9 +1966,9 @@
           <a:bodyPr/>
           <a:lstStyle/>
           <a:p>
-            <a:fld id="{627ED9C8-F09A-4D9E-BEC0-4725162E21FF}" type="datetimeFigureOut">
+            <a:fld id="{37A2730A-859E-B540-ADF3-E97069AD1FDB}" type="datetimeFigureOut">
               <a:rPr lang="en-US" smtClean="0"/>
-              <a:t>11/25/2020</a:t>
+              <a:t>9/18/2025</a:t>
             </a:fld>
             <a:endParaRPr lang="en-US"/>
           </a:p>
@@ -1984,7 +1976,13 @@
       </p:sp>
       <p:sp>
         <p:nvSpPr>
-          <p:cNvPr id="4" name="Footer Placeholder 3"/>
+          <p:cNvPr id="4" name="Footer Placeholder 3">
+            <a:extLst>
+              <a:ext uri="{FF2B5EF4-FFF2-40B4-BE49-F238E27FC236}">
+                <a16:creationId xmlns:a16="http://schemas.microsoft.com/office/drawing/2014/main" id="{2AD7E1B8-2D7B-4548-B1EC-8C766C92D943}"/>
+              </a:ext>
+            </a:extLst>
+          </p:cNvPr>
           <p:cNvSpPr>
             <a:spLocks noGrp="1"/>
           </p:cNvSpPr>
@@ -2003,7 +2001,13 @@
       </p:sp>
       <p:sp>
         <p:nvSpPr>
-          <p:cNvPr id="5" name="Slide Number Placeholder 4"/>
+          <p:cNvPr id="5" name="Slide Number Placeholder 4">
+            <a:extLst>
+              <a:ext uri="{FF2B5EF4-FFF2-40B4-BE49-F238E27FC236}">
+                <a16:creationId xmlns:a16="http://schemas.microsoft.com/office/drawing/2014/main" id="{CDE0B748-F1C5-8749-8C42-DAC929DFFC5F}"/>
+              </a:ext>
+            </a:extLst>
+          </p:cNvPr>
           <p:cNvSpPr>
             <a:spLocks noGrp="1"/>
           </p:cNvSpPr>
@@ -2016,7 +2020,7 @@
           <a:bodyPr/>
           <a:lstStyle/>
           <a:p>
-            <a:fld id="{8C7D807A-D3EC-4DEA-86E2-120E4093F1A6}" type="slidenum">
+            <a:fld id="{8E05DC9C-C50D-D242-B083-59CEE07163F1}" type="slidenum">
               <a:rPr lang="en-US" smtClean="0"/>
               <a:t>‹#›</a:t>
             </a:fld>
@@ -2027,7 +2031,7 @@
     </p:spTree>
     <p:extLst>
       <p:ext uri="{BB962C8B-B14F-4D97-AF65-F5344CB8AC3E}">
-        <p14:creationId xmlns:p14="http://schemas.microsoft.com/office/powerpoint/2010/main" val="2280913962"/>
+        <p14:creationId xmlns:p14="http://schemas.microsoft.com/office/powerpoint/2010/main" val="1307546782"/>
       </p:ext>
     </p:extLst>
   </p:cSld>
@@ -2056,7 +2060,13 @@
       </p:grpSpPr>
       <p:sp>
         <p:nvSpPr>
-          <p:cNvPr id="2" name="Date Placeholder 1"/>
+          <p:cNvPr id="2" name="Date Placeholder 1">
+            <a:extLst>
+              <a:ext uri="{FF2B5EF4-FFF2-40B4-BE49-F238E27FC236}">
+                <a16:creationId xmlns:a16="http://schemas.microsoft.com/office/drawing/2014/main" id="{CFFE7249-F53D-4B4D-A448-22699C3D26CB}"/>
+              </a:ext>
+            </a:extLst>
+          </p:cNvPr>
           <p:cNvSpPr>
             <a:spLocks noGrp="1"/>
           </p:cNvSpPr>
@@ -2069,9 +2079,9 @@
           <a:bodyPr/>
           <a:lstStyle/>
           <a:p>
-            <a:fld id="{627ED9C8-F09A-4D9E-BEC0-4725162E21FF}" type="datetimeFigureOut">
+            <a:fld id="{37A2730A-859E-B540-ADF3-E97069AD1FDB}" type="datetimeFigureOut">
               <a:rPr lang="en-US" smtClean="0"/>
-              <a:t>11/25/2020</a:t>
+              <a:t>9/18/2025</a:t>
             </a:fld>
             <a:endParaRPr lang="en-US"/>
           </a:p>
@@ -2079,7 +2089,13 @@
       </p:sp>
       <p:sp>
         <p:nvSpPr>
-          <p:cNvPr id="3" name="Footer Placeholder 2"/>
+          <p:cNvPr id="3" name="Footer Placeholder 2">
+            <a:extLst>
+              <a:ext uri="{FF2B5EF4-FFF2-40B4-BE49-F238E27FC236}">
+                <a16:creationId xmlns:a16="http://schemas.microsoft.com/office/drawing/2014/main" id="{54682F3B-F381-C642-956B-8B897A4E6BF3}"/>
+              </a:ext>
+            </a:extLst>
+          </p:cNvPr>
           <p:cNvSpPr>
             <a:spLocks noGrp="1"/>
           </p:cNvSpPr>
@@ -2098,7 +2114,13 @@
       </p:sp>
       <p:sp>
         <p:nvSpPr>
-          <p:cNvPr id="4" name="Slide Number Placeholder 3"/>
+          <p:cNvPr id="4" name="Slide Number Placeholder 3">
+            <a:extLst>
+              <a:ext uri="{FF2B5EF4-FFF2-40B4-BE49-F238E27FC236}">
+                <a16:creationId xmlns:a16="http://schemas.microsoft.com/office/drawing/2014/main" id="{FC599A17-3A94-2D4B-863A-D140FD43EA0B}"/>
+              </a:ext>
+            </a:extLst>
+          </p:cNvPr>
           <p:cNvSpPr>
             <a:spLocks noGrp="1"/>
           </p:cNvSpPr>
@@ -2111,7 +2133,7 @@
           <a:bodyPr/>
           <a:lstStyle/>
           <a:p>
-            <a:fld id="{8C7D807A-D3EC-4DEA-86E2-120E4093F1A6}" type="slidenum">
+            <a:fld id="{8E05DC9C-C50D-D242-B083-59CEE07163F1}" type="slidenum">
               <a:rPr lang="en-US" smtClean="0"/>
               <a:t>‹#›</a:t>
             </a:fld>
@@ -2122,7 +2144,7 @@
     </p:spTree>
     <p:extLst>
       <p:ext uri="{BB962C8B-B14F-4D97-AF65-F5344CB8AC3E}">
-        <p14:creationId xmlns:p14="http://schemas.microsoft.com/office/powerpoint/2010/main" val="2358181125"/>
+        <p14:creationId xmlns:p14="http://schemas.microsoft.com/office/powerpoint/2010/main" val="2799842099"/>
       </p:ext>
     </p:extLst>
   </p:cSld>
@@ -2151,7 +2173,13 @@
       </p:grpSpPr>
       <p:sp>
         <p:nvSpPr>
-          <p:cNvPr id="2" name="Title 1"/>
+          <p:cNvPr id="2" name="Title 1">
+            <a:extLst>
+              <a:ext uri="{FF2B5EF4-FFF2-40B4-BE49-F238E27FC236}">
+                <a16:creationId xmlns:a16="http://schemas.microsoft.com/office/drawing/2014/main" id="{867E8CEF-1C51-8C45-A4DD-823EF2ED1918}"/>
+              </a:ext>
+            </a:extLst>
+          </p:cNvPr>
           <p:cNvSpPr>
             <a:spLocks noGrp="1"/>
           </p:cNvSpPr>
@@ -2182,7 +2210,13 @@
       </p:sp>
       <p:sp>
         <p:nvSpPr>
-          <p:cNvPr id="3" name="Content Placeholder 2"/>
+          <p:cNvPr id="3" name="Content Placeholder 2">
+            <a:extLst>
+              <a:ext uri="{FF2B5EF4-FFF2-40B4-BE49-F238E27FC236}">
+                <a16:creationId xmlns:a16="http://schemas.microsoft.com/office/drawing/2014/main" id="{B8E374CA-1122-FA4B-B960-C80ADBD8CFB4}"/>
+              </a:ext>
+            </a:extLst>
+          </p:cNvPr>
           <p:cNvSpPr>
             <a:spLocks noGrp="1"/>
           </p:cNvSpPr>
@@ -2266,7 +2300,13 @@
       </p:sp>
       <p:sp>
         <p:nvSpPr>
-          <p:cNvPr id="4" name="Text Placeholder 3"/>
+          <p:cNvPr id="4" name="Text Placeholder 3">
+            <a:extLst>
+              <a:ext uri="{FF2B5EF4-FFF2-40B4-BE49-F238E27FC236}">
+                <a16:creationId xmlns:a16="http://schemas.microsoft.com/office/drawing/2014/main" id="{C2EA1D2F-31D9-944B-9E05-A6DF632D8BC8}"/>
+              </a:ext>
+            </a:extLst>
+          </p:cNvPr>
           <p:cNvSpPr>
             <a:spLocks noGrp="1"/>
           </p:cNvSpPr>
@@ -2331,7 +2371,13 @@
       </p:sp>
       <p:sp>
         <p:nvSpPr>
-          <p:cNvPr id="5" name="Date Placeholder 4"/>
+          <p:cNvPr id="5" name="Date Placeholder 4">
+            <a:extLst>
+              <a:ext uri="{FF2B5EF4-FFF2-40B4-BE49-F238E27FC236}">
+                <a16:creationId xmlns:a16="http://schemas.microsoft.com/office/drawing/2014/main" id="{3438C1F2-E75A-7847-BE97-4BAFD26A3C17}"/>
+              </a:ext>
+            </a:extLst>
+          </p:cNvPr>
           <p:cNvSpPr>
             <a:spLocks noGrp="1"/>
           </p:cNvSpPr>
@@ -2344,9 +2390,9 @@
           <a:bodyPr/>
           <a:lstStyle/>
           <a:p>
-            <a:fld id="{627ED9C8-F09A-4D9E-BEC0-4725162E21FF}" type="datetimeFigureOut">
+            <a:fld id="{37A2730A-859E-B540-ADF3-E97069AD1FDB}" type="datetimeFigureOut">
               <a:rPr lang="en-US" smtClean="0"/>
-              <a:t>11/25/2020</a:t>
+              <a:t>9/18/2025</a:t>
             </a:fld>
             <a:endParaRPr lang="en-US"/>
           </a:p>
@@ -2354,7 +2400,13 @@
       </p:sp>
       <p:sp>
         <p:nvSpPr>
-          <p:cNvPr id="6" name="Footer Placeholder 5"/>
+          <p:cNvPr id="6" name="Footer Placeholder 5">
+            <a:extLst>
+              <a:ext uri="{FF2B5EF4-FFF2-40B4-BE49-F238E27FC236}">
+                <a16:creationId xmlns:a16="http://schemas.microsoft.com/office/drawing/2014/main" id="{87989FF9-DBBA-CD42-95A8-C1446B0102BF}"/>
+              </a:ext>
+            </a:extLst>
+          </p:cNvPr>
           <p:cNvSpPr>
             <a:spLocks noGrp="1"/>
           </p:cNvSpPr>
@@ -2373,7 +2425,13 @@
       </p:sp>
       <p:sp>
         <p:nvSpPr>
-          <p:cNvPr id="7" name="Slide Number Placeholder 6"/>
+          <p:cNvPr id="7" name="Slide Number Placeholder 6">
+            <a:extLst>
+              <a:ext uri="{FF2B5EF4-FFF2-40B4-BE49-F238E27FC236}">
+                <a16:creationId xmlns:a16="http://schemas.microsoft.com/office/drawing/2014/main" id="{CB918F56-7D9A-9D48-8FD1-C96B13CCAF54}"/>
+              </a:ext>
+            </a:extLst>
+          </p:cNvPr>
           <p:cNvSpPr>
             <a:spLocks noGrp="1"/>
           </p:cNvSpPr>
@@ -2386,7 +2444,7 @@
           <a:bodyPr/>
           <a:lstStyle/>
           <a:p>
-            <a:fld id="{8C7D807A-D3EC-4DEA-86E2-120E4093F1A6}" type="slidenum">
+            <a:fld id="{8E05DC9C-C50D-D242-B083-59CEE07163F1}" type="slidenum">
               <a:rPr lang="en-US" smtClean="0"/>
               <a:t>‹#›</a:t>
             </a:fld>
@@ -2397,7 +2455,7 @@
     </p:spTree>
     <p:extLst>
       <p:ext uri="{BB962C8B-B14F-4D97-AF65-F5344CB8AC3E}">
-        <p14:creationId xmlns:p14="http://schemas.microsoft.com/office/powerpoint/2010/main" val="993390432"/>
+        <p14:creationId xmlns:p14="http://schemas.microsoft.com/office/powerpoint/2010/main" val="3676740826"/>
       </p:ext>
     </p:extLst>
   </p:cSld>
@@ -2426,7 +2484,13 @@
       </p:grpSpPr>
       <p:sp>
         <p:nvSpPr>
-          <p:cNvPr id="2" name="Title 1"/>
+          <p:cNvPr id="2" name="Title 1">
+            <a:extLst>
+              <a:ext uri="{FF2B5EF4-FFF2-40B4-BE49-F238E27FC236}">
+                <a16:creationId xmlns:a16="http://schemas.microsoft.com/office/drawing/2014/main" id="{36E687D9-2240-8D42-BF6D-3237D5EF1CAE}"/>
+              </a:ext>
+            </a:extLst>
+          </p:cNvPr>
           <p:cNvSpPr>
             <a:spLocks noGrp="1"/>
           </p:cNvSpPr>
@@ -2457,7 +2521,13 @@
       </p:sp>
       <p:sp>
         <p:nvSpPr>
-          <p:cNvPr id="3" name="Picture Placeholder 2"/>
+          <p:cNvPr id="3" name="Picture Placeholder 2">
+            <a:extLst>
+              <a:ext uri="{FF2B5EF4-FFF2-40B4-BE49-F238E27FC236}">
+                <a16:creationId xmlns:a16="http://schemas.microsoft.com/office/drawing/2014/main" id="{9333825A-5AFC-8A42-93C4-F00E40A0FD93}"/>
+              </a:ext>
+            </a:extLst>
+          </p:cNvPr>
           <p:cNvSpPr>
             <a:spLocks noGrp="1"/>
           </p:cNvSpPr>
@@ -2518,7 +2588,13 @@
       </p:sp>
       <p:sp>
         <p:nvSpPr>
-          <p:cNvPr id="4" name="Text Placeholder 3"/>
+          <p:cNvPr id="4" name="Text Placeholder 3">
+            <a:extLst>
+              <a:ext uri="{FF2B5EF4-FFF2-40B4-BE49-F238E27FC236}">
+                <a16:creationId xmlns:a16="http://schemas.microsoft.com/office/drawing/2014/main" id="{7DF956E5-5DA8-AB49-9E03-65283DF2A3A3}"/>
+              </a:ext>
+            </a:extLst>
+          </p:cNvPr>
           <p:cNvSpPr>
             <a:spLocks noGrp="1"/>
           </p:cNvSpPr>
@@ -2583,7 +2659,13 @@
       </p:sp>
       <p:sp>
         <p:nvSpPr>
-          <p:cNvPr id="5" name="Date Placeholder 4"/>
+          <p:cNvPr id="5" name="Date Placeholder 4">
+            <a:extLst>
+              <a:ext uri="{FF2B5EF4-FFF2-40B4-BE49-F238E27FC236}">
+                <a16:creationId xmlns:a16="http://schemas.microsoft.com/office/drawing/2014/main" id="{078163D5-4687-C243-A8A2-0650A7887076}"/>
+              </a:ext>
+            </a:extLst>
+          </p:cNvPr>
           <p:cNvSpPr>
             <a:spLocks noGrp="1"/>
           </p:cNvSpPr>
@@ -2596,9 +2678,9 @@
           <a:bodyPr/>
           <a:lstStyle/>
           <a:p>
-            <a:fld id="{627ED9C8-F09A-4D9E-BEC0-4725162E21FF}" type="datetimeFigureOut">
+            <a:fld id="{37A2730A-859E-B540-ADF3-E97069AD1FDB}" type="datetimeFigureOut">
               <a:rPr lang="en-US" smtClean="0"/>
-              <a:t>11/25/2020</a:t>
+              <a:t>9/18/2025</a:t>
             </a:fld>
             <a:endParaRPr lang="en-US"/>
           </a:p>
@@ -2606,7 +2688,13 @@
       </p:sp>
       <p:sp>
         <p:nvSpPr>
-          <p:cNvPr id="6" name="Footer Placeholder 5"/>
+          <p:cNvPr id="6" name="Footer Placeholder 5">
+            <a:extLst>
+              <a:ext uri="{FF2B5EF4-FFF2-40B4-BE49-F238E27FC236}">
+                <a16:creationId xmlns:a16="http://schemas.microsoft.com/office/drawing/2014/main" id="{38300BF0-29B6-B343-A484-59353A8ACA83}"/>
+              </a:ext>
+            </a:extLst>
+          </p:cNvPr>
           <p:cNvSpPr>
             <a:spLocks noGrp="1"/>
           </p:cNvSpPr>
@@ -2625,7 +2713,13 @@
       </p:sp>
       <p:sp>
         <p:nvSpPr>
-          <p:cNvPr id="7" name="Slide Number Placeholder 6"/>
+          <p:cNvPr id="7" name="Slide Number Placeholder 6">
+            <a:extLst>
+              <a:ext uri="{FF2B5EF4-FFF2-40B4-BE49-F238E27FC236}">
+                <a16:creationId xmlns:a16="http://schemas.microsoft.com/office/drawing/2014/main" id="{4F48E5C9-1065-5147-B725-91FB99153EC6}"/>
+              </a:ext>
+            </a:extLst>
+          </p:cNvPr>
           <p:cNvSpPr>
             <a:spLocks noGrp="1"/>
           </p:cNvSpPr>
@@ -2638,7 +2732,7 @@
           <a:bodyPr/>
           <a:lstStyle/>
           <a:p>
-            <a:fld id="{8C7D807A-D3EC-4DEA-86E2-120E4093F1A6}" type="slidenum">
+            <a:fld id="{8E05DC9C-C50D-D242-B083-59CEE07163F1}" type="slidenum">
               <a:rPr lang="en-US" smtClean="0"/>
               <a:t>‹#›</a:t>
             </a:fld>
@@ -2649,7 +2743,7 @@
     </p:spTree>
     <p:extLst>
       <p:ext uri="{BB962C8B-B14F-4D97-AF65-F5344CB8AC3E}">
-        <p14:creationId xmlns:p14="http://schemas.microsoft.com/office/powerpoint/2010/main" val="2884807526"/>
+        <p14:creationId xmlns:p14="http://schemas.microsoft.com/office/powerpoint/2010/main" val="4116017357"/>
       </p:ext>
     </p:extLst>
   </p:cSld>
@@ -2660,7 +2754,7 @@
 </file>
 
 <file path=ppt/slideMasters/slideMaster1.xml><?xml version="1.0" encoding="utf-8"?>
-<p:sldMaster xmlns:p14="http://schemas.microsoft.com/office/powerpoint/2010/main" xmlns:a="http://schemas.openxmlformats.org/drawingml/2006/main" xmlns:r="http://schemas.openxmlformats.org/officeDocument/2006/relationships" xmlns:p="http://schemas.openxmlformats.org/presentationml/2006/main" preserve="1">
+<p:sldMaster xmlns:a="http://schemas.openxmlformats.org/drawingml/2006/main" xmlns:r="http://schemas.openxmlformats.org/officeDocument/2006/relationships" xmlns:p="http://schemas.openxmlformats.org/presentationml/2006/main">
   <p:cSld>
     <p:bg>
       <p:bgRef idx="1001">
@@ -2683,7 +2777,13 @@
       </p:grpSpPr>
       <p:sp>
         <p:nvSpPr>
-          <p:cNvPr id="2" name="Title Placeholder 1"/>
+          <p:cNvPr id="2" name="Title Placeholder 1">
+            <a:extLst>
+              <a:ext uri="{FF2B5EF4-FFF2-40B4-BE49-F238E27FC236}">
+                <a16:creationId xmlns:a16="http://schemas.microsoft.com/office/drawing/2014/main" id="{1B0B6787-B51F-DB42-9E52-63E10EB8651A}"/>
+              </a:ext>
+            </a:extLst>
+          </p:cNvPr>
           <p:cNvSpPr>
             <a:spLocks noGrp="1"/>
           </p:cNvSpPr>
@@ -2715,7 +2815,13 @@
       </p:sp>
       <p:sp>
         <p:nvSpPr>
-          <p:cNvPr id="3" name="Text Placeholder 2"/>
+          <p:cNvPr id="3" name="Text Placeholder 2">
+            <a:extLst>
+              <a:ext uri="{FF2B5EF4-FFF2-40B4-BE49-F238E27FC236}">
+                <a16:creationId xmlns:a16="http://schemas.microsoft.com/office/drawing/2014/main" id="{563B9472-27F5-2144-BCEC-3E0A96761AF5}"/>
+              </a:ext>
+            </a:extLst>
+          </p:cNvPr>
           <p:cNvSpPr>
             <a:spLocks noGrp="1"/>
           </p:cNvSpPr>
@@ -2776,7 +2882,13 @@
       </p:sp>
       <p:sp>
         <p:nvSpPr>
-          <p:cNvPr id="4" name="Date Placeholder 3"/>
+          <p:cNvPr id="4" name="Date Placeholder 3">
+            <a:extLst>
+              <a:ext uri="{FF2B5EF4-FFF2-40B4-BE49-F238E27FC236}">
+                <a16:creationId xmlns:a16="http://schemas.microsoft.com/office/drawing/2014/main" id="{6F352788-8A6E-D24F-82D2-F38C9E41A4A6}"/>
+              </a:ext>
+            </a:extLst>
+          </p:cNvPr>
           <p:cNvSpPr>
             <a:spLocks noGrp="1"/>
           </p:cNvSpPr>
@@ -2807,9 +2919,9 @@
             </a:lvl1pPr>
           </a:lstStyle>
           <a:p>
-            <a:fld id="{627ED9C8-F09A-4D9E-BEC0-4725162E21FF}" type="datetimeFigureOut">
+            <a:fld id="{37A2730A-859E-B540-ADF3-E97069AD1FDB}" type="datetimeFigureOut">
               <a:rPr lang="en-US" smtClean="0"/>
-              <a:t>11/25/2020</a:t>
+              <a:t>9/18/2025</a:t>
             </a:fld>
             <a:endParaRPr lang="en-US"/>
           </a:p>
@@ -2817,7 +2929,13 @@
       </p:sp>
       <p:sp>
         <p:nvSpPr>
-          <p:cNvPr id="5" name="Footer Placeholder 4"/>
+          <p:cNvPr id="5" name="Footer Placeholder 4">
+            <a:extLst>
+              <a:ext uri="{FF2B5EF4-FFF2-40B4-BE49-F238E27FC236}">
+                <a16:creationId xmlns:a16="http://schemas.microsoft.com/office/drawing/2014/main" id="{A81DDB45-653D-0C49-B78E-967549C7BA6C}"/>
+              </a:ext>
+            </a:extLst>
+          </p:cNvPr>
           <p:cNvSpPr>
             <a:spLocks noGrp="1"/>
           </p:cNvSpPr>
@@ -2854,7 +2972,13 @@
       </p:sp>
       <p:sp>
         <p:nvSpPr>
-          <p:cNvPr id="6" name="Slide Number Placeholder 5"/>
+          <p:cNvPr id="6" name="Slide Number Placeholder 5">
+            <a:extLst>
+              <a:ext uri="{FF2B5EF4-FFF2-40B4-BE49-F238E27FC236}">
+                <a16:creationId xmlns:a16="http://schemas.microsoft.com/office/drawing/2014/main" id="{DCADC715-0B9A-0348-A62C-3F8BCE535B34}"/>
+              </a:ext>
+            </a:extLst>
+          </p:cNvPr>
           <p:cNvSpPr>
             <a:spLocks noGrp="1"/>
           </p:cNvSpPr>
@@ -2885,7 +3009,7 @@
             </a:lvl1pPr>
           </a:lstStyle>
           <a:p>
-            <a:fld id="{8C7D807A-D3EC-4DEA-86E2-120E4093F1A6}" type="slidenum">
+            <a:fld id="{8E05DC9C-C50D-D242-B083-59CEE07163F1}" type="slidenum">
               <a:rPr lang="en-US" smtClean="0"/>
               <a:t>‹#›</a:t>
             </a:fld>
@@ -2896,23 +3020,23 @@
     </p:spTree>
     <p:extLst>
       <p:ext uri="{BB962C8B-B14F-4D97-AF65-F5344CB8AC3E}">
-        <p14:creationId xmlns:p14="http://schemas.microsoft.com/office/powerpoint/2010/main" val="1423691093"/>
+        <p14:creationId xmlns:p14="http://schemas.microsoft.com/office/powerpoint/2010/main" val="2768849038"/>
       </p:ext>
     </p:extLst>
   </p:cSld>
   <p:clrMap bg1="lt1" tx1="dk1" bg2="lt2" tx2="dk2" accent1="accent1" accent2="accent2" accent3="accent3" accent4="accent4" accent5="accent5" accent6="accent6" hlink="hlink" folHlink="folHlink"/>
   <p:sldLayoutIdLst>
-    <p:sldLayoutId id="2147483661" r:id="rId1"/>
-    <p:sldLayoutId id="2147483662" r:id="rId2"/>
-    <p:sldLayoutId id="2147483663" r:id="rId3"/>
-    <p:sldLayoutId id="2147483664" r:id="rId4"/>
-    <p:sldLayoutId id="2147483665" r:id="rId5"/>
-    <p:sldLayoutId id="2147483666" r:id="rId6"/>
-    <p:sldLayoutId id="2147483667" r:id="rId7"/>
-    <p:sldLayoutId id="2147483668" r:id="rId8"/>
-    <p:sldLayoutId id="2147483669" r:id="rId9"/>
-    <p:sldLayoutId id="2147483670" r:id="rId10"/>
-    <p:sldLayoutId id="2147483671" r:id="rId11"/>
+    <p:sldLayoutId id="2147483649" r:id="rId1"/>
+    <p:sldLayoutId id="2147483650" r:id="rId2"/>
+    <p:sldLayoutId id="2147483651" r:id="rId3"/>
+    <p:sldLayoutId id="2147483652" r:id="rId4"/>
+    <p:sldLayoutId id="2147483653" r:id="rId5"/>
+    <p:sldLayoutId id="2147483654" r:id="rId6"/>
+    <p:sldLayoutId id="2147483655" r:id="rId7"/>
+    <p:sldLayoutId id="2147483656" r:id="rId8"/>
+    <p:sldLayoutId id="2147483657" r:id="rId9"/>
+    <p:sldLayoutId id="2147483658" r:id="rId10"/>
+    <p:sldLayoutId id="2147483659" r:id="rId11"/>
   </p:sldLayoutIdLst>
   <p:txStyles>
     <p:titleStyle>
@@ -3198,16 +3322,8 @@
 </file>
 
 <file path=ppt/slides/slide1.xml><?xml version="1.0" encoding="utf-8"?>
-<p:sld xmlns:adec="http://schemas.microsoft.com/office/drawing/2017/decorative" xmlns:a14="http://schemas.microsoft.com/office/drawing/2010/main" xmlns:p14="http://schemas.microsoft.com/office/powerpoint/2010/main" xmlns:a="http://schemas.openxmlformats.org/drawingml/2006/main" xmlns:r="http://schemas.openxmlformats.org/officeDocument/2006/relationships" xmlns:p="http://schemas.openxmlformats.org/presentationml/2006/main">
+<p:sld xmlns:a="http://schemas.openxmlformats.org/drawingml/2006/main" xmlns:r="http://schemas.openxmlformats.org/officeDocument/2006/relationships" xmlns:p="http://schemas.openxmlformats.org/presentationml/2006/main">
   <p:cSld>
-    <p:bg>
-      <p:bgPr>
-        <a:solidFill>
-          <a:schemeClr val="tx1"/>
-        </a:solidFill>
-        <a:effectLst/>
-      </p:bgPr>
-    </p:bg>
     <p:spTree>
       <p:nvGrpSpPr>
         <p:cNvPr id="1" name=""/>
@@ -3222,549 +3338,171 @@
           <a:chExt cx="0" cy="0"/>
         </a:xfrm>
       </p:grpSpPr>
+      <p:sp>
+        <p:nvSpPr>
+          <p:cNvPr id="6" name="Add-in_Banner">
+            <a:extLst>
+              <a:ext uri="{FF2B5EF4-FFF2-40B4-BE49-F238E27FC236}">
+                <a16:creationId xmlns:a16="http://schemas.microsoft.com/office/drawing/2014/main" id="{3469E413-BCF5-4E2F-BE4B-EB617C589FA5}"/>
+              </a:ext>
+            </a:extLst>
+          </p:cNvPr>
+          <p:cNvSpPr txBox="1">
+            <a:spLocks noGrp="1"/>
+          </p:cNvSpPr>
+          <p:nvPr>
+            <p:ph type="title"/>
+          </p:nvPr>
+        </p:nvSpPr>
+        <p:spPr>
+          <a:xfrm>
+            <a:off x="0" y="351395"/>
+            <a:ext cx="12192000" cy="640515"/>
+          </a:xfrm>
+          <a:prstGeom prst="rect">
+            <a:avLst/>
+          </a:prstGeom>
+          <a:solidFill>
+            <a:srgbClr val="494748">
+              <a:alpha val="4706"/>
+            </a:srgbClr>
+          </a:solidFill>
+          <a:ln>
+            <a:noFill/>
+          </a:ln>
+        </p:spPr>
+        <p:style>
+          <a:lnRef idx="2">
+            <a:schemeClr val="accent1">
+              <a:shade val="50000"/>
+            </a:schemeClr>
+          </a:lnRef>
+          <a:fillRef idx="1">
+            <a:schemeClr val="accent1"/>
+          </a:fillRef>
+          <a:effectRef idx="0">
+            <a:schemeClr val="accent1"/>
+          </a:effectRef>
+          <a:fontRef idx="minor">
+            <a:schemeClr val="lt1"/>
+          </a:fontRef>
+        </p:style>
+        <p:txBody>
+          <a:bodyPr rot="0" spcFirstLastPara="0" vert="horz" wrap="square" lIns="1332000" tIns="180000" rIns="216000" bIns="180000" numCol="1" spcCol="0" rtlCol="0" fromWordArt="0" anchor="ctr" anchorCtr="0" forceAA="0" compatLnSpc="1">
+            <a:prstTxWarp prst="textNoShape">
+              <a:avLst/>
+            </a:prstTxWarp>
+            <a:spAutoFit/>
+          </a:bodyPr>
+          <a:lstStyle/>
+          <a:p>
+            <a:pPr algn="l" rtl="0">
+              <a:spcAft>
+                <a:spcPts val="0"/>
+              </a:spcAft>
+            </a:pPr>
+            <a:r>
+              <a:rPr lang="en-GB" sz="1800" dirty="0">
+                <a:solidFill>
+                  <a:srgbClr val="000000"/>
+                </a:solidFill>
+                <a:effectLst/>
+                <a:latin typeface="Segoe UI Light" panose="020B0502040204020203" pitchFamily="34" charset="0"/>
+                <a:ea typeface="Calibri" panose="020F0502020204030204" pitchFamily="34" charset="0"/>
+                <a:cs typeface="Segoe UI Light" panose="020B0502040204020203" pitchFamily="34" charset="0"/>
+              </a:rPr>
+              <a:t>Microsoft Power BI</a:t>
+            </a:r>
+            <a:endParaRPr lang="en-IE" sz="1200" dirty="0">
+              <a:effectLst/>
+              <a:latin typeface="Segoe UI Light" panose="020B0502040204020203" pitchFamily="34" charset="0"/>
+              <a:ea typeface="Calibri" panose="020F0502020204030204" pitchFamily="34" charset="0"/>
+              <a:cs typeface="Segoe UI Light" panose="020B0502040204020203" pitchFamily="34" charset="0"/>
+            </a:endParaRPr>
+          </a:p>
+        </p:txBody>
+      </p:sp>
       <p:pic>
         <p:nvPicPr>
-          <p:cNvPr id="9" name="Picture 8">
-            <a:extLst>
-              <a:ext uri="{C183D7F6-B498-43B3-948B-1728B52AA6E4}">
-                <adec:decorative xmlns:adec="http://schemas.microsoft.com/office/drawing/2017/decorative" val="1"/>
-              </a:ext>
-            </a:extLst>
-          </p:cNvPr>
-          <p:cNvPicPr>
-            <a:picLocks noChangeAspect="1"/>
-          </p:cNvPicPr>
+          <p:cNvPr id="7" name="Add-in_Icon" descr="Icon for Microsoft Power BI.">
+            <a:extLst>
+              <a:ext uri="{FF2B5EF4-FFF2-40B4-BE49-F238E27FC236}">
+                <a16:creationId xmlns:a16="http://schemas.microsoft.com/office/drawing/2014/main" id="{87D43E1C-7B4D-44A2-8E6D-6786349BFB58}"/>
+              </a:ext>
+            </a:extLst>
+          </p:cNvPr>
+          <p:cNvPicPr/>
           <p:nvPr/>
         </p:nvPicPr>
         <p:blipFill>
-          <a:blip r:embed="rId2">
-            <a:extLst>
-              <a:ext uri="{28A0092B-C50C-407E-A947-70E740481C1C}">
-                <a14:useLocalDpi xmlns:a14="http://schemas.microsoft.com/office/drawing/2010/main" val="0"/>
-              </a:ext>
-            </a:extLst>
-          </a:blip>
+          <a:blip r:embed="rId2"/>
           <a:stretch>
             <a:fillRect/>
           </a:stretch>
         </p:blipFill>
-        <p:spPr>
+        <p:spPr bwMode="auto">
           <a:xfrm>
-            <a:off x="0" y="0"/>
-            <a:ext cx="12192000" cy="6858000"/>
-          </a:xfrm>
-          <a:prstGeom prst="rect">
-            <a:avLst/>
-          </a:prstGeom>
-        </p:spPr>
-      </p:pic>
-      <p:sp>
-        <p:nvSpPr>
-          <p:cNvPr id="12" name="Title 1"/>
-          <p:cNvSpPr txBox="1">
-            <a:spLocks noGrp="1"/>
-          </p:cNvSpPr>
-          <p:nvPr>
-            <p:ph type="title" idx="4294967295"/>
-          </p:nvPr>
-        </p:nvSpPr>
-        <p:spPr>
-          <a:xfrm>
-            <a:off x="810584" y="2982149"/>
-            <a:ext cx="6314017" cy="600075"/>
-          </a:xfrm>
-          <a:prstGeom prst="rect">
-            <a:avLst/>
-          </a:prstGeom>
-          <a:noFill/>
-          <a:ln>
-            <a:noFill/>
-            <a:prstDash/>
-          </a:ln>
-          <a:effectLst/>
-        </p:spPr>
-        <p:txBody>
-          <a:bodyPr rot="0" spcFirstLastPara="0" vertOverflow="overflow" horzOverflow="overflow" vert="horz" wrap="square" lIns="91440" tIns="45720" rIns="91440" bIns="45720" numCol="1" spcCol="0" rtlCol="0" fromWordArt="0" anchor="b" anchorCtr="0" forceAA="0" compatLnSpc="1">
-            <a:prstTxWarp prst="textNoShape">
-              <a:avLst/>
-            </a:prstTxWarp>
-            <a:normAutofit fontScale="90000"/>
-          </a:bodyPr>
-          <a:lstStyle>
-            <a:lvl1pPr algn="ctr" defTabSz="914400" rtl="0" eaLnBrk="1" latinLnBrk="0" hangingPunct="1">
-              <a:lnSpc>
-                <a:spcPct val="90000"/>
-              </a:lnSpc>
-              <a:spcBef>
-                <a:spcPct val="0"/>
-              </a:spcBef>
-              <a:buNone/>
-              <a:defRPr sz="4400" b="0" i="0" kern="1200" baseline="0">
-                <a:solidFill>
-                  <a:schemeClr val="tx1"/>
-                </a:solidFill>
-                <a:latin typeface="Segoe UI Light" charset="0"/>
-                <a:ea typeface="Segoe UI Light" charset="0"/>
-                <a:cs typeface="Segoe UI Light" charset="0"/>
-              </a:defRPr>
-            </a:lvl1pPr>
-          </a:lstStyle>
-          <a:p>
-            <a:pPr marL="0" marR="0" lvl="0" indent="0" algn="l" defTabSz="914400" rtl="0" eaLnBrk="1" fontAlgn="auto" latinLnBrk="0" hangingPunct="1">
-              <a:lnSpc>
-                <a:spcPct val="90000"/>
-              </a:lnSpc>
-              <a:spcBef>
-                <a:spcPct val="0"/>
-              </a:spcBef>
-              <a:spcAft>
-                <a:spcPts val="0"/>
-              </a:spcAft>
-              <a:buClrTx/>
-              <a:buSzTx/>
-              <a:buFontTx/>
-              <a:buNone/>
-              <a:tabLst/>
-              <a:defRPr/>
-            </a:pPr>
-            <a:r>
-              <a:rPr kumimoji="0" lang="en-US" sz="4400" b="0" i="0" u="none" strike="noStrike" kern="1200" cap="none" spc="0" normalizeH="0" baseline="0" noProof="0">
-                <a:ln>
-                  <a:noFill/>
-                </a:ln>
-                <a:solidFill>
-                  <a:srgbClr val="F3C910"/>
-                </a:solidFill>
-                <a:effectLst/>
-                <a:uLnTx/>
-                <a:uFillTx/>
-                <a:latin typeface="Segoe UI Light" charset="0"/>
-                <a:ea typeface="Segoe UI Light" charset="0"/>
-                <a:cs typeface="Segoe UI Light" charset="0"/>
-              </a:rPr>
-              <a:t>Coffee Sales and Top Customer 2019 - 2022</a:t>
-            </a:r>
-            <a:endParaRPr kumimoji="0" lang="en-US" sz="4400" b="0" i="0" u="none" strike="noStrike" kern="1200" cap="none" spc="0" normalizeH="0" baseline="0" noProof="0" dirty="0">
-              <a:ln>
-                <a:noFill/>
-              </a:ln>
-              <a:solidFill>
-                <a:srgbClr val="F3C910"/>
-              </a:solidFill>
-              <a:effectLst/>
-              <a:uLnTx/>
-              <a:uFillTx/>
-              <a:latin typeface="Segoe UI Light" charset="0"/>
-              <a:ea typeface="Segoe UI Light" charset="0"/>
-              <a:cs typeface="Segoe UI Light" charset="0"/>
-            </a:endParaRPr>
-          </a:p>
-        </p:txBody>
-      </p:sp>
-      <p:sp>
-        <p:nvSpPr>
-          <p:cNvPr id="13" name="Text Placeholder 2"/>
-          <p:cNvSpPr txBox="1">
-            <a:spLocks/>
-          </p:cNvSpPr>
-          <p:nvPr/>
-        </p:nvSpPr>
-        <p:spPr>
-          <a:xfrm>
-            <a:off x="853448" y="3658761"/>
-            <a:ext cx="1488017" cy="253470"/>
-          </a:xfrm>
-          <a:prstGeom prst="rect">
-            <a:avLst/>
-          </a:prstGeom>
-        </p:spPr>
-        <p:txBody>
-          <a:bodyPr vert="horz" lIns="91440" tIns="45720" rIns="91440" bIns="45720" rtlCol="0">
-            <a:normAutofit lnSpcReduction="10000"/>
-          </a:bodyPr>
-          <a:lstStyle>
-            <a:lvl1pPr marL="0" indent="0" algn="ctr" defTabSz="914400" rtl="0" eaLnBrk="1" latinLnBrk="0" hangingPunct="1">
-              <a:lnSpc>
-                <a:spcPct val="90000"/>
-              </a:lnSpc>
-              <a:spcBef>
-                <a:spcPts val="1000"/>
-              </a:spcBef>
-              <a:buFont typeface="Arial"/>
-              <a:buNone/>
-              <a:defRPr sz="1200" b="0" i="0" u="sng" kern="1200">
-                <a:solidFill>
-                  <a:schemeClr val="tx1"/>
-                </a:solidFill>
-                <a:latin typeface="Segoe UI" charset="0"/>
-                <a:ea typeface="Segoe UI" charset="0"/>
-                <a:cs typeface="Segoe UI" charset="0"/>
-              </a:defRPr>
-            </a:lvl1pPr>
-            <a:lvl2pPr marL="457200" indent="0" algn="ctr" defTabSz="914400" rtl="0" eaLnBrk="1" latinLnBrk="0" hangingPunct="1">
-              <a:lnSpc>
-                <a:spcPct val="90000"/>
-              </a:lnSpc>
-              <a:spcBef>
-                <a:spcPts val="500"/>
-              </a:spcBef>
-              <a:buFont typeface="Arial"/>
-              <a:buNone/>
-              <a:defRPr sz="2000" kern="1200">
-                <a:solidFill>
-                  <a:schemeClr val="tx1">
-                    <a:tint val="75000"/>
-                  </a:schemeClr>
-                </a:solidFill>
-                <a:latin typeface="+mn-lt"/>
-                <a:ea typeface="+mn-ea"/>
-                <a:cs typeface="+mn-cs"/>
-              </a:defRPr>
-            </a:lvl2pPr>
-            <a:lvl3pPr marL="914400" indent="0" algn="ctr" defTabSz="914400" rtl="0" eaLnBrk="1" latinLnBrk="0" hangingPunct="1">
-              <a:lnSpc>
-                <a:spcPct val="90000"/>
-              </a:lnSpc>
-              <a:spcBef>
-                <a:spcPts val="500"/>
-              </a:spcBef>
-              <a:buFont typeface="Arial"/>
-              <a:buNone/>
-              <a:defRPr sz="1800" kern="1200">
-                <a:solidFill>
-                  <a:schemeClr val="tx1">
-                    <a:tint val="75000"/>
-                  </a:schemeClr>
-                </a:solidFill>
-                <a:latin typeface="+mn-lt"/>
-                <a:ea typeface="+mn-ea"/>
-                <a:cs typeface="+mn-cs"/>
-              </a:defRPr>
-            </a:lvl3pPr>
-            <a:lvl4pPr marL="1371600" indent="0" algn="ctr" defTabSz="914400" rtl="0" eaLnBrk="1" latinLnBrk="0" hangingPunct="1">
-              <a:lnSpc>
-                <a:spcPct val="90000"/>
-              </a:lnSpc>
-              <a:spcBef>
-                <a:spcPts val="500"/>
-              </a:spcBef>
-              <a:buFont typeface="Arial"/>
-              <a:buNone/>
-              <a:defRPr sz="1600" kern="1200">
-                <a:solidFill>
-                  <a:schemeClr val="tx1">
-                    <a:tint val="75000"/>
-                  </a:schemeClr>
-                </a:solidFill>
-                <a:latin typeface="+mn-lt"/>
-                <a:ea typeface="+mn-ea"/>
-                <a:cs typeface="+mn-cs"/>
-              </a:defRPr>
-            </a:lvl4pPr>
-            <a:lvl5pPr marL="1828800" indent="0" algn="ctr" defTabSz="914400" rtl="0" eaLnBrk="1" latinLnBrk="0" hangingPunct="1">
-              <a:lnSpc>
-                <a:spcPct val="90000"/>
-              </a:lnSpc>
-              <a:spcBef>
-                <a:spcPts val="500"/>
-              </a:spcBef>
-              <a:buFont typeface="Arial"/>
-              <a:buNone/>
-              <a:defRPr sz="1600" kern="1200">
-                <a:solidFill>
-                  <a:schemeClr val="tx1">
-                    <a:tint val="75000"/>
-                  </a:schemeClr>
-                </a:solidFill>
-                <a:latin typeface="+mn-lt"/>
-                <a:ea typeface="+mn-ea"/>
-                <a:cs typeface="+mn-cs"/>
-              </a:defRPr>
-            </a:lvl5pPr>
-            <a:lvl6pPr marL="2286000" indent="0" algn="ctr" defTabSz="914400" rtl="0" eaLnBrk="1" latinLnBrk="0" hangingPunct="1">
-              <a:lnSpc>
-                <a:spcPct val="90000"/>
-              </a:lnSpc>
-              <a:spcBef>
-                <a:spcPts val="500"/>
-              </a:spcBef>
-              <a:buFont typeface="Arial"/>
-              <a:buNone/>
-              <a:defRPr sz="1600" kern="1200">
-                <a:solidFill>
-                  <a:schemeClr val="tx1">
-                    <a:tint val="75000"/>
-                  </a:schemeClr>
-                </a:solidFill>
-                <a:latin typeface="+mn-lt"/>
-                <a:ea typeface="+mn-ea"/>
-                <a:cs typeface="+mn-cs"/>
-              </a:defRPr>
-            </a:lvl6pPr>
-            <a:lvl7pPr marL="2743200" indent="0" algn="ctr" defTabSz="914400" rtl="0" eaLnBrk="1" latinLnBrk="0" hangingPunct="1">
-              <a:lnSpc>
-                <a:spcPct val="90000"/>
-              </a:lnSpc>
-              <a:spcBef>
-                <a:spcPts val="500"/>
-              </a:spcBef>
-              <a:buFont typeface="Arial"/>
-              <a:buNone/>
-              <a:defRPr sz="1600" kern="1200">
-                <a:solidFill>
-                  <a:schemeClr val="tx1">
-                    <a:tint val="75000"/>
-                  </a:schemeClr>
-                </a:solidFill>
-                <a:latin typeface="+mn-lt"/>
-                <a:ea typeface="+mn-ea"/>
-                <a:cs typeface="+mn-cs"/>
-              </a:defRPr>
-            </a:lvl7pPr>
-            <a:lvl8pPr marL="3200400" indent="0" algn="ctr" defTabSz="914400" rtl="0" eaLnBrk="1" latinLnBrk="0" hangingPunct="1">
-              <a:lnSpc>
-                <a:spcPct val="90000"/>
-              </a:lnSpc>
-              <a:spcBef>
-                <a:spcPts val="500"/>
-              </a:spcBef>
-              <a:buFont typeface="Arial"/>
-              <a:buNone/>
-              <a:defRPr sz="1600" kern="1200">
-                <a:solidFill>
-                  <a:schemeClr val="tx1">
-                    <a:tint val="75000"/>
-                  </a:schemeClr>
-                </a:solidFill>
-                <a:latin typeface="+mn-lt"/>
-                <a:ea typeface="+mn-ea"/>
-                <a:cs typeface="+mn-cs"/>
-              </a:defRPr>
-            </a:lvl8pPr>
-            <a:lvl9pPr marL="3657600" indent="0" algn="ctr" defTabSz="914400" rtl="0" eaLnBrk="1" latinLnBrk="0" hangingPunct="1">
-              <a:lnSpc>
-                <a:spcPct val="90000"/>
-              </a:lnSpc>
-              <a:spcBef>
-                <a:spcPts val="500"/>
-              </a:spcBef>
-              <a:buFont typeface="Arial"/>
-              <a:buNone/>
-              <a:defRPr sz="1600" kern="1200">
-                <a:solidFill>
-                  <a:schemeClr val="tx1">
-                    <a:tint val="75000"/>
-                  </a:schemeClr>
-                </a:solidFill>
-                <a:latin typeface="+mn-lt"/>
-                <a:ea typeface="+mn-ea"/>
-                <a:cs typeface="+mn-cs"/>
-              </a:defRPr>
-            </a:lvl9pPr>
-          </a:lstStyle>
-          <a:p>
-            <a:pPr algn="l"/>
-            <a:r>
-              <a:rPr lang="en-US" dirty="0">
-                <a:solidFill>
-                  <a:schemeClr val="bg1"/>
-                </a:solidFill>
-                <a:hlinkClick r:id="coverSlideHpLink"/>
-              </a:rPr>
-              <a:t>View in Power BI</a:t>
-            </a:r>
-            <a:endParaRPr lang="en-US" dirty="0">
-              <a:solidFill>
-                <a:schemeClr val="bg1"/>
-              </a:solidFill>
-            </a:endParaRPr>
-          </a:p>
-        </p:txBody>
-      </p:sp>
-      <p:sp>
-        <p:nvSpPr>
-          <p:cNvPr id="17" name="TextBox 16"/>
-          <p:cNvSpPr txBox="1"/>
-          <p:nvPr/>
-        </p:nvSpPr>
-        <p:spPr>
-          <a:xfrm>
-            <a:off x="832315" y="5823544"/>
-            <a:ext cx="2177716" cy="369332"/>
+            <a:off x="914400" y="530365"/>
+            <a:ext cx="291465" cy="291465"/>
           </a:xfrm>
           <a:prstGeom prst="rect">
             <a:avLst/>
           </a:prstGeom>
           <a:noFill/>
         </p:spPr>
-        <p:txBody>
-          <a:bodyPr wrap="square" rtlCol="0">
-            <a:spAutoFit/>
-          </a:bodyPr>
-          <a:lstStyle/>
-          <a:p>
-            <a:r>
-              <a:rPr lang="en-US" sz="900" b="1" i="0" dirty="0">
-                <a:solidFill>
-                  <a:schemeClr val="bg1"/>
-                </a:solidFill>
-                <a:latin typeface="Segoe UI Semibold" charset="0"/>
-                <a:ea typeface="Segoe UI Semibold" charset="0"/>
-                <a:cs typeface="Segoe UI Semibold" charset="0"/>
-              </a:rPr>
-              <a:t>Downloaded at:</a:t>
-            </a:r>
-          </a:p>
-          <a:p>
-            <a:r>
-              <a:rPr lang="en-US" sz="900" b="0" i="0" dirty="0">
-                <a:solidFill>
-                  <a:schemeClr val="bg1"/>
-                </a:solidFill>
-                <a:latin typeface="Segoe UI" charset="0"/>
-                <a:ea typeface="Segoe UI" charset="0"/>
-                <a:cs typeface="Segoe UI" charset="0"/>
-              </a:rPr>
-              <a:t>9/18/2025 4:27:51 AM UTC</a:t>
-            </a:r>
-          </a:p>
-        </p:txBody>
-      </p:sp>
-      <p:sp>
-        <p:nvSpPr>
-          <p:cNvPr id="10" name="TextBox 9"/>
-          <p:cNvSpPr txBox="1"/>
-          <p:nvPr/>
-        </p:nvSpPr>
-        <p:spPr>
-          <a:xfrm>
-            <a:off x="828512" y="5407903"/>
-            <a:ext cx="2177716" cy="369332"/>
-          </a:xfrm>
-          <a:prstGeom prst="rect">
-            <a:avLst/>
-          </a:prstGeom>
-          <a:noFill/>
-        </p:spPr>
-        <p:txBody>
-          <a:bodyPr wrap="square" rtlCol="0">
-            <a:spAutoFit/>
-          </a:bodyPr>
-          <a:lstStyle/>
-          <a:p>
-            <a:r>
-              <a:rPr lang="en-US" sz="900" b="1" dirty="0">
-                <a:solidFill>
-                  <a:schemeClr val="bg1"/>
-                </a:solidFill>
-                <a:latin typeface="Segoe UI Semibold" charset="0"/>
-                <a:ea typeface="Segoe UI Semibold" charset="0"/>
-                <a:cs typeface="Segoe UI Semibold" charset="0"/>
-              </a:rPr>
-              <a:t>Last data refresh:</a:t>
-            </a:r>
-            <a:endParaRPr lang="en-US" sz="900" b="1" i="0" dirty="0">
-              <a:solidFill>
-                <a:schemeClr val="bg1"/>
-              </a:solidFill>
-              <a:latin typeface="Segoe UI Semibold" charset="0"/>
-              <a:ea typeface="Segoe UI Semibold" charset="0"/>
-              <a:cs typeface="Segoe UI Semibold" charset="0"/>
-            </a:endParaRPr>
-          </a:p>
-          <a:p>
-            <a:r>
-              <a:rPr lang="en-US" sz="900" dirty="0">
-                <a:solidFill>
-                  <a:schemeClr val="bg1"/>
-                </a:solidFill>
-                <a:latin typeface="Segoe UI" charset="0"/>
-                <a:ea typeface="Segoe UI" charset="0"/>
-                <a:cs typeface="Segoe UI" charset="0"/>
-              </a:rPr>
-              <a:t>9/18/2025 4:26:49 AM UTC</a:t>
-            </a:r>
-            <a:endParaRPr lang="en-US" sz="900" b="0" i="0" dirty="0">
-              <a:solidFill>
-                <a:schemeClr val="bg1"/>
-              </a:solidFill>
-              <a:latin typeface="Segoe UI" charset="0"/>
-              <a:ea typeface="Segoe UI" charset="0"/>
-              <a:cs typeface="Segoe UI" charset="0"/>
-            </a:endParaRPr>
-          </a:p>
-        </p:txBody>
-      </p:sp>
-      <p:pic>
-        <p:nvPicPr>
-          <p:cNvPr id="16" name="Picture 15" descr="Microsoft Power BI"/>
-          <p:cNvPicPr>
-            <a:picLocks noChangeAspect="1"/>
-          </p:cNvPicPr>
-          <p:nvPr/>
-        </p:nvPicPr>
-        <p:blipFill>
-          <a:blip r:embed="rId4">
-            <a:extLst>
-              <a:ext uri="{28A0092B-C50C-407E-A947-70E740481C1C}">
-                <a14:useLocalDpi xmlns:a14="http://schemas.microsoft.com/office/drawing/2010/main" val="0"/>
-              </a:ext>
-            </a:extLst>
-          </a:blip>
-          <a:stretch>
-            <a:fillRect/>
-          </a:stretch>
-        </p:blipFill>
-        <p:spPr>
-          <a:xfrm>
-            <a:off x="923544" y="722376"/>
-            <a:ext cx="1490690" cy="245805"/>
-          </a:xfrm>
-          <a:prstGeom prst="rect">
-            <a:avLst/>
-          </a:prstGeom>
-        </p:spPr>
       </p:pic>
-      <p:pic>
-        <p:nvPicPr>
-          <p:cNvPr id="18" name="Picture 17">
-            <a:extLst>
-              <a:ext uri="{C183D7F6-B498-43B3-948B-1728B52AA6E4}">
-                <adec:decorative xmlns:adec="http://schemas.microsoft.com/office/drawing/2017/decorative" val="1"/>
-              </a:ext>
-            </a:extLst>
-          </p:cNvPr>
-          <p:cNvPicPr>
-            <a:picLocks noChangeAspect="1"/>
-          </p:cNvPicPr>
-          <p:nvPr/>
-        </p:nvPicPr>
-        <p:blipFill>
-          <a:blip r:embed="rId5">
-            <a:extLst>
-              <a:ext uri="{28A0092B-C50C-407E-A947-70E740481C1C}">
-                <a14:useLocalDpi xmlns:a14="http://schemas.microsoft.com/office/drawing/2010/main" val="0"/>
-              </a:ext>
-            </a:extLst>
-          </a:blip>
-          <a:stretch>
-            <a:fillRect/>
-          </a:stretch>
-        </p:blipFill>
-        <p:spPr>
-          <a:xfrm>
-            <a:off x="2139696" y="3694176"/>
-            <a:ext cx="162027" cy="153025"/>
-          </a:xfrm>
-          <a:prstGeom prst="rect">
-            <a:avLst/>
-          </a:prstGeom>
-        </p:spPr>
-      </p:pic>
+      <mc:AlternateContent xmlns:mc="http://schemas.openxmlformats.org/markup-compatibility/2006">
+        <mc:Choice xmlns:we="http://schemas.microsoft.com/office/webextensions/webextension/2010/11" xmlns:pca="http://schemas.microsoft.com/office/powerpoint/2013/contentapp" Requires="we pca">
+          <p:graphicFrame>
+            <p:nvGraphicFramePr>
+              <p:cNvPr id="2" name="Add-in" descr="Add-in content for Microsoft Power BI."/>
+              <p:cNvGraphicFramePr>
+                <a:graphicFrameLocks noGrp="1"/>
+              </p:cNvGraphicFramePr>
+              <p:nvPr/>
+            </p:nvGraphicFramePr>
+            <p:xfrm>
+              <a:off x="721012" y="1170879"/>
+              <a:ext cx="10749976" cy="5335725"/>
+            </p:xfrm>
+            <a:graphic>
+              <a:graphicData uri="http://schemas.microsoft.com/office/webextensions/webextension/2010/11">
+                <we:webextensionref xmlns:we="http://schemas.microsoft.com/office/webextensions/webextension/2010/11" xmlns:r="http://schemas.openxmlformats.org/officeDocument/2006/relationships" r:id="rId3"/>
+              </a:graphicData>
+            </a:graphic>
+          </p:graphicFrame>
+        </mc:Choice>
+        <mc:Fallback>
+          <p:pic>
+            <p:nvPicPr>
+              <p:cNvPr id="2" name="Add-in" descr="Add-in content for Microsoft Power BI."/>
+              <p:cNvPicPr>
+                <a:picLocks noGrp="1" noRot="1" noChangeAspect="1" noMove="1" noResize="1" noEditPoints="1" noAdjustHandles="1" noChangeArrowheads="1" noChangeShapeType="1"/>
+              </p:cNvPicPr>
+              <p:nvPr/>
+            </p:nvPicPr>
+            <p:blipFill>
+              <a:blip r:embed="rId4"/>
+              <a:stretch>
+                <a:fillRect/>
+              </a:stretch>
+            </p:blipFill>
+            <p:spPr>
+              <a:xfrm>
+                <a:off x="721012" y="1170879"/>
+                <a:ext cx="10749976" cy="5335725"/>
+              </a:xfrm>
+              <a:prstGeom prst="rect">
+                <a:avLst/>
+              </a:prstGeom>
+            </p:spPr>
+          </p:pic>
+        </mc:Fallback>
+      </mc:AlternateContent>
     </p:spTree>
     <p:extLst>
       <p:ext uri="{BB962C8B-B14F-4D97-AF65-F5344CB8AC3E}">
-        <p14:creationId xmlns:p14="http://schemas.microsoft.com/office/powerpoint/2010/main" val="7630729"/>
+        <p14:creationId xmlns:p14="http://schemas.microsoft.com/office/powerpoint/2010/main" val="3211859542"/>
       </p:ext>
     </p:extLst>
   </p:cSld>
@@ -3775,7 +3513,7 @@
 </file>
 
 <file path=ppt/slides/slide2.xml><?xml version="1.0" encoding="utf-8"?>
-<p:sld xmlns:p="http://schemas.openxmlformats.org/presentationml/2006/main">
+<p:sld xmlns:a="http://schemas.openxmlformats.org/drawingml/2006/main" xmlns:r="http://schemas.openxmlformats.org/officeDocument/2006/relationships" xmlns:p="http://schemas.openxmlformats.org/presentationml/2006/main">
   <p:cSld>
     <p:spTree>
       <p:nvGrpSpPr>
@@ -3783,65 +3521,1073 @@
         <p:cNvGrpSpPr/>
         <p:nvPr/>
       </p:nvGrpSpPr>
-      <p:grpSpPr/>
+      <p:grpSpPr>
+        <a:xfrm>
+          <a:off x="0" y="0"/>
+          <a:ext cx="0" cy="0"/>
+          <a:chOff x="0" y="0"/>
+          <a:chExt cx="0" cy="0"/>
+        </a:xfrm>
+      </p:grpSpPr>
+      <p:sp>
+        <p:nvSpPr>
+          <p:cNvPr id="12" name="InstallationHelpContent">
+            <a:extLst>
+              <a:ext uri="{FF2B5EF4-FFF2-40B4-BE49-F238E27FC236}">
+                <a16:creationId xmlns:a16="http://schemas.microsoft.com/office/drawing/2014/main" id="{2CA8B576-3688-4F36-8A9A-7852B92A0202}"/>
+              </a:ext>
+            </a:extLst>
+          </p:cNvPr>
+          <p:cNvSpPr txBox="1"/>
+          <p:nvPr/>
+        </p:nvSpPr>
+        <p:spPr>
+          <a:xfrm>
+            <a:off x="914400" y="5284829"/>
+            <a:ext cx="10063308" cy="461665"/>
+          </a:xfrm>
+          <a:prstGeom prst="rect">
+            <a:avLst/>
+          </a:prstGeom>
+          <a:noFill/>
+          <a:ln w="9525" cmpd="sng">
+            <a:noFill/>
+          </a:ln>
+        </p:spPr>
+        <p:style>
+          <a:lnRef idx="0">
+            <a:scrgbClr r="0" g="0" b="0"/>
+          </a:lnRef>
+          <a:fillRef idx="0">
+            <a:scrgbClr r="0" g="0" b="0"/>
+          </a:fillRef>
+          <a:effectRef idx="0">
+            <a:scrgbClr r="0" g="0" b="0"/>
+          </a:effectRef>
+          <a:fontRef idx="minor">
+            <a:schemeClr val="dk1"/>
+          </a:fontRef>
+        </p:style>
+        <p:txBody>
+          <a:bodyPr wrap="square" lIns="0" rtlCol="0" anchor="ctr" anchorCtr="0">
+            <a:spAutoFit/>
+          </a:bodyPr>
+          <a:lstStyle>
+            <a:lvl1pPr marL="0" indent="0">
+              <a:defRPr sz="1100">
+                <a:solidFill>
+                  <a:schemeClr val="dk1"/>
+                </a:solidFill>
+                <a:latin typeface="+mn-lt"/>
+                <a:ea typeface="+mn-ea"/>
+                <a:cs typeface="+mn-cs"/>
+              </a:defRPr>
+            </a:lvl1pPr>
+            <a:lvl2pPr marL="457200" indent="0">
+              <a:defRPr sz="1100">
+                <a:solidFill>
+                  <a:schemeClr val="dk1"/>
+                </a:solidFill>
+                <a:latin typeface="+mn-lt"/>
+                <a:ea typeface="+mn-ea"/>
+                <a:cs typeface="+mn-cs"/>
+              </a:defRPr>
+            </a:lvl2pPr>
+            <a:lvl3pPr marL="914400" indent="0">
+              <a:defRPr sz="1100">
+                <a:solidFill>
+                  <a:schemeClr val="dk1"/>
+                </a:solidFill>
+                <a:latin typeface="+mn-lt"/>
+                <a:ea typeface="+mn-ea"/>
+                <a:cs typeface="+mn-cs"/>
+              </a:defRPr>
+            </a:lvl3pPr>
+            <a:lvl4pPr marL="1371600" indent="0">
+              <a:defRPr sz="1100">
+                <a:solidFill>
+                  <a:schemeClr val="dk1"/>
+                </a:solidFill>
+                <a:latin typeface="+mn-lt"/>
+                <a:ea typeface="+mn-ea"/>
+                <a:cs typeface="+mn-cs"/>
+              </a:defRPr>
+            </a:lvl4pPr>
+            <a:lvl5pPr marL="1828800" indent="0">
+              <a:defRPr sz="1100">
+                <a:solidFill>
+                  <a:schemeClr val="dk1"/>
+                </a:solidFill>
+                <a:latin typeface="+mn-lt"/>
+                <a:ea typeface="+mn-ea"/>
+                <a:cs typeface="+mn-cs"/>
+              </a:defRPr>
+            </a:lvl5pPr>
+            <a:lvl6pPr marL="2286000" indent="0">
+              <a:defRPr sz="1100">
+                <a:solidFill>
+                  <a:schemeClr val="dk1"/>
+                </a:solidFill>
+                <a:latin typeface="+mn-lt"/>
+                <a:ea typeface="+mn-ea"/>
+                <a:cs typeface="+mn-cs"/>
+              </a:defRPr>
+            </a:lvl6pPr>
+            <a:lvl7pPr marL="2743200" indent="0">
+              <a:defRPr sz="1100">
+                <a:solidFill>
+                  <a:schemeClr val="dk1"/>
+                </a:solidFill>
+                <a:latin typeface="+mn-lt"/>
+                <a:ea typeface="+mn-ea"/>
+                <a:cs typeface="+mn-cs"/>
+              </a:defRPr>
+            </a:lvl7pPr>
+            <a:lvl8pPr marL="3200400" indent="0">
+              <a:defRPr sz="1100">
+                <a:solidFill>
+                  <a:schemeClr val="dk1"/>
+                </a:solidFill>
+                <a:latin typeface="+mn-lt"/>
+                <a:ea typeface="+mn-ea"/>
+                <a:cs typeface="+mn-cs"/>
+              </a:defRPr>
+            </a:lvl8pPr>
+            <a:lvl9pPr marL="3657600" indent="0">
+              <a:defRPr sz="1100">
+                <a:solidFill>
+                  <a:schemeClr val="dk1"/>
+                </a:solidFill>
+                <a:latin typeface="+mn-lt"/>
+                <a:ea typeface="+mn-ea"/>
+                <a:cs typeface="+mn-cs"/>
+              </a:defRPr>
+            </a:lvl9pPr>
+          </a:lstStyle>
+          <a:p>
+            <a:r>
+              <a:rPr lang="en-US" sz="1200" b="0" i="0" dirty="0">
+                <a:latin typeface="Segoe UI" panose="020B0502040204020203" pitchFamily="34" charset="0"/>
+                <a:cs typeface="Segoe UI" panose="020B0502040204020203" pitchFamily="34" charset="0"/>
+              </a:rPr>
+              <a:t>Return to your internet browser or copy this link into your browser:</a:t>
+            </a:r>
+          </a:p>
+          <a:p>
+            <a:pPr marL="0" indent="0" algn="l" defTabSz="914400" rtl="0" eaLnBrk="1" latinLnBrk="0" hangingPunct="1"/>
+            <a:r>
+              <a:rPr lang="en-US" sz="1200" b="0" i="0" u="sng" kern="1200" dirty="0">
+                <a:solidFill>
+                  <a:srgbClr val="0563C1"/>
+                </a:solidFill>
+                <a:latin typeface="Segoe UI" panose="020B0502040204020203" pitchFamily="34" charset="0"/>
+                <a:cs typeface="Segoe UI" panose="020B0502040204020203" pitchFamily="34" charset="0"/>
+                <a:hlinkClick r:id="rId2"/>
+              </a:rPr>
+              <a:t>https://pages.store.office.com/addinsinstallpage.aspx?rs=en-US&amp;assetid=WA200003233&amp;isWac=True&amp;ui=en-US&amp;ad=US</a:t>
+            </a:r>
+            <a:endParaRPr lang="en-US" sz="1200" b="0" i="0" u="sng" kern="1200" dirty="0">
+              <a:solidFill>
+                <a:srgbClr val="0563C1"/>
+              </a:solidFill>
+              <a:latin typeface="Segoe UI" panose="020B0502040204020203" pitchFamily="34" charset="0"/>
+              <a:cs typeface="Segoe UI" panose="020B0502040204020203" pitchFamily="34" charset="0"/>
+            </a:endParaRPr>
+          </a:p>
+        </p:txBody>
+      </p:sp>
+      <p:sp>
+        <p:nvSpPr>
+          <p:cNvPr id="16" name="InstallationHelpHeader">
+            <a:extLst>
+              <a:ext uri="{FF2B5EF4-FFF2-40B4-BE49-F238E27FC236}">
+                <a16:creationId xmlns:a16="http://schemas.microsoft.com/office/drawing/2014/main" id="{64C02631-9FDD-4AF6-94C6-2FA9F2831D20}"/>
+              </a:ext>
+            </a:extLst>
+          </p:cNvPr>
+          <p:cNvSpPr txBox="1"/>
+          <p:nvPr/>
+        </p:nvSpPr>
+        <p:spPr>
+          <a:xfrm>
+            <a:off x="914400" y="4916126"/>
+            <a:ext cx="10063307" cy="346765"/>
+          </a:xfrm>
+          <a:prstGeom prst="rect">
+            <a:avLst/>
+          </a:prstGeom>
+          <a:noFill/>
+          <a:ln w="9525" cmpd="sng">
+            <a:noFill/>
+          </a:ln>
+        </p:spPr>
+        <p:style>
+          <a:lnRef idx="0">
+            <a:scrgbClr r="0" g="0" b="0"/>
+          </a:lnRef>
+          <a:fillRef idx="0">
+            <a:scrgbClr r="0" g="0" b="0"/>
+          </a:fillRef>
+          <a:effectRef idx="0">
+            <a:scrgbClr r="0" g="0" b="0"/>
+          </a:effectRef>
+          <a:fontRef idx="minor">
+            <a:schemeClr val="dk1"/>
+          </a:fontRef>
+        </p:style>
+        <p:txBody>
+          <a:bodyPr wrap="square" lIns="0" rtlCol="0" anchor="ctr" anchorCtr="0">
+            <a:normAutofit lnSpcReduction="10000"/>
+          </a:bodyPr>
+          <a:lstStyle>
+            <a:lvl1pPr marL="0" indent="0">
+              <a:defRPr sz="1100">
+                <a:solidFill>
+                  <a:schemeClr val="dk1"/>
+                </a:solidFill>
+                <a:latin typeface="+mn-lt"/>
+                <a:ea typeface="+mn-ea"/>
+                <a:cs typeface="+mn-cs"/>
+              </a:defRPr>
+            </a:lvl1pPr>
+            <a:lvl2pPr marL="457200" indent="0">
+              <a:defRPr sz="1100">
+                <a:solidFill>
+                  <a:schemeClr val="dk1"/>
+                </a:solidFill>
+                <a:latin typeface="+mn-lt"/>
+                <a:ea typeface="+mn-ea"/>
+                <a:cs typeface="+mn-cs"/>
+              </a:defRPr>
+            </a:lvl2pPr>
+            <a:lvl3pPr marL="914400" indent="0">
+              <a:defRPr sz="1100">
+                <a:solidFill>
+                  <a:schemeClr val="dk1"/>
+                </a:solidFill>
+                <a:latin typeface="+mn-lt"/>
+                <a:ea typeface="+mn-ea"/>
+                <a:cs typeface="+mn-cs"/>
+              </a:defRPr>
+            </a:lvl3pPr>
+            <a:lvl4pPr marL="1371600" indent="0">
+              <a:defRPr sz="1100">
+                <a:solidFill>
+                  <a:schemeClr val="dk1"/>
+                </a:solidFill>
+                <a:latin typeface="+mn-lt"/>
+                <a:ea typeface="+mn-ea"/>
+                <a:cs typeface="+mn-cs"/>
+              </a:defRPr>
+            </a:lvl4pPr>
+            <a:lvl5pPr marL="1828800" indent="0">
+              <a:defRPr sz="1100">
+                <a:solidFill>
+                  <a:schemeClr val="dk1"/>
+                </a:solidFill>
+                <a:latin typeface="+mn-lt"/>
+                <a:ea typeface="+mn-ea"/>
+                <a:cs typeface="+mn-cs"/>
+              </a:defRPr>
+            </a:lvl5pPr>
+            <a:lvl6pPr marL="2286000" indent="0">
+              <a:defRPr sz="1100">
+                <a:solidFill>
+                  <a:schemeClr val="dk1"/>
+                </a:solidFill>
+                <a:latin typeface="+mn-lt"/>
+                <a:ea typeface="+mn-ea"/>
+                <a:cs typeface="+mn-cs"/>
+              </a:defRPr>
+            </a:lvl6pPr>
+            <a:lvl7pPr marL="2743200" indent="0">
+              <a:defRPr sz="1100">
+                <a:solidFill>
+                  <a:schemeClr val="dk1"/>
+                </a:solidFill>
+                <a:latin typeface="+mn-lt"/>
+                <a:ea typeface="+mn-ea"/>
+                <a:cs typeface="+mn-cs"/>
+              </a:defRPr>
+            </a:lvl7pPr>
+            <a:lvl8pPr marL="3200400" indent="0">
+              <a:defRPr sz="1100">
+                <a:solidFill>
+                  <a:schemeClr val="dk1"/>
+                </a:solidFill>
+                <a:latin typeface="+mn-lt"/>
+                <a:ea typeface="+mn-ea"/>
+                <a:cs typeface="+mn-cs"/>
+              </a:defRPr>
+            </a:lvl8pPr>
+            <a:lvl9pPr marL="3657600" indent="0">
+              <a:defRPr sz="1100">
+                <a:solidFill>
+                  <a:schemeClr val="dk1"/>
+                </a:solidFill>
+                <a:latin typeface="+mn-lt"/>
+                <a:ea typeface="+mn-ea"/>
+                <a:cs typeface="+mn-cs"/>
+              </a:defRPr>
+            </a:lvl9pPr>
+          </a:lstStyle>
+          <a:p>
+            <a:r>
+              <a:rPr lang="en-US" sz="1800" b="0" i="0">
+                <a:latin typeface="Segoe UI Light" panose="020B0502040204020203" pitchFamily="34" charset="0"/>
+                <a:cs typeface="Segoe UI Light" panose="020B0502040204020203" pitchFamily="34" charset="0"/>
+              </a:rPr>
+              <a:t>Need more help?</a:t>
+            </a:r>
+          </a:p>
+        </p:txBody>
+      </p:sp>
       <p:pic>
         <p:nvPicPr>
-          <p:cNvPr id="3" name="Picture" title="This slide contains the following visuals: Quantity and Profits by Roast Type ,Yearly Profit ,Profit by Coffee Type ,Top 10 Customer List (2019 - 2021) ,Order Date ,card ,card ,card ,textbox ,textbox ,card. Please refer to the notes on this slide for details">
-            <a:hlinkClick xmlns:r="http://schemas.openxmlformats.org/officeDocument/2006/relationships" xmlns:a="http://schemas.openxmlformats.org/drawingml/2006/main" r:id="RelId0"/>
+          <p:cNvPr id="17" name="LaunchHelpImage" descr="Office ribbon open on the Insert tab.">
+            <a:extLst>
+              <a:ext uri="{FF2B5EF4-FFF2-40B4-BE49-F238E27FC236}">
+                <a16:creationId xmlns:a16="http://schemas.microsoft.com/office/drawing/2014/main" id="{9F6644C8-9C25-4A33-B37A-9C5FA1BB43E1}"/>
+              </a:ext>
+            </a:extLst>
           </p:cNvPr>
           <p:cNvPicPr>
-            <a:picLocks xmlns:a="http://schemas.openxmlformats.org/drawingml/2006/main" noChangeAspect="1"/>
+            <a:picLocks/>
           </p:cNvPicPr>
           <p:nvPr/>
         </p:nvPicPr>
         <p:blipFill>
-          <a:blip xmlns:r="http://schemas.openxmlformats.org/officeDocument/2006/relationships" xmlns:a="http://schemas.openxmlformats.org/drawingml/2006/main" r:embed="imgId385640068"/>
-          <a:stretch xmlns:a="http://schemas.openxmlformats.org/drawingml/2006/main">
+          <a:blip r:embed="rId3"/>
+          <a:stretch>
             <a:fillRect/>
           </a:stretch>
         </p:blipFill>
         <p:spPr>
-          <a:xfrm xmlns:a="http://schemas.openxmlformats.org/drawingml/2006/main">
-            <a:off x="76200" y="0"/>
-            <a:ext cx="12020550" cy="6858000"/>
+          <a:xfrm>
+            <a:off x="914399" y="2448231"/>
+            <a:ext cx="5943600" cy="2102400"/>
           </a:xfrm>
-          <a:prstGeom xmlns:a="http://schemas.openxmlformats.org/drawingml/2006/main" prst="rect">
+          <a:prstGeom prst="rect">
             <a:avLst/>
           </a:prstGeom>
-          <a:noFill xmlns:a="http://schemas.openxmlformats.org/drawingml/2006/main"/>
+          <a:ln>
+            <a:noFill/>
+          </a:ln>
         </p:spPr>
       </p:pic>
       <p:sp>
         <p:nvSpPr>
-          <p:cNvPr id="4" name="Title" hidden="1"/>
-          <p:cNvSpPr>
-            <a:spLocks xmlns:a="http://schemas.openxmlformats.org/drawingml/2006/main" noGrp="1"/>
+          <p:cNvPr id="26" name="MyAdd-ins">
+            <a:extLst>
+              <a:ext uri="{FF2B5EF4-FFF2-40B4-BE49-F238E27FC236}">
+                <a16:creationId xmlns:a16="http://schemas.microsoft.com/office/drawing/2014/main" id="{34C66630-1529-4E04-957D-AA0BBAACDAAA}"/>
+              </a:ext>
+            </a:extLst>
+          </p:cNvPr>
+          <p:cNvSpPr txBox="1"/>
+          <p:nvPr/>
+        </p:nvSpPr>
+        <p:spPr>
+          <a:xfrm>
+            <a:off x="4851444" y="3310791"/>
+            <a:ext cx="1016635" cy="316865"/>
+          </a:xfrm>
+          <a:prstGeom prst="rect">
+            <a:avLst/>
+          </a:prstGeom>
+          <a:noFill/>
+        </p:spPr>
+        <p:txBody>
+          <a:bodyPr wrap="square" lIns="0" tIns="0" rIns="0" bIns="0" rtlCol="0" anchor="ctr" anchorCtr="0">
+            <a:noAutofit/>
+          </a:bodyPr>
+          <a:lstStyle/>
+          <a:p>
+            <a:pPr>
+              <a:lnSpc>
+                <a:spcPct val="105000"/>
+              </a:lnSpc>
+              <a:spcAft>
+                <a:spcPts val="0"/>
+              </a:spcAft>
+            </a:pPr>
+            <a:r>
+              <a:rPr lang="en-GB" sz="1000" kern="1200" dirty="0">
+                <a:solidFill>
+                  <a:srgbClr val="404040"/>
+                </a:solidFill>
+                <a:effectLst/>
+                <a:latin typeface="Segoe UI Semibold" panose="020B0702040204020203" pitchFamily="34" charset="0"/>
+                <a:ea typeface="Times New Roman" panose="02020603050405020304" pitchFamily="18" charset="0"/>
+              </a:rPr>
+              <a:t>My Add-ins</a:t>
+            </a:r>
+            <a:endParaRPr lang="en-IE" sz="1200" dirty="0">
+              <a:effectLst/>
+              <a:latin typeface="Times New Roman" panose="02020603050405020304" pitchFamily="18" charset="0"/>
+              <a:ea typeface="Times New Roman" panose="02020603050405020304" pitchFamily="18" charset="0"/>
+            </a:endParaRPr>
+          </a:p>
+        </p:txBody>
+      </p:sp>
+      <p:sp>
+        <p:nvSpPr>
+          <p:cNvPr id="19" name="TabName">
+            <a:extLst>
+              <a:ext uri="{FF2B5EF4-FFF2-40B4-BE49-F238E27FC236}">
+                <a16:creationId xmlns:a16="http://schemas.microsoft.com/office/drawing/2014/main" id="{703C7623-FC76-4CD5-823D-9B14460DB9E1}"/>
+              </a:ext>
+            </a:extLst>
+          </p:cNvPr>
+          <p:cNvSpPr txBox="1"/>
+          <p:nvPr/>
+        </p:nvSpPr>
+        <p:spPr>
+          <a:xfrm>
+            <a:off x="2249496" y="2737247"/>
+            <a:ext cx="1131132" cy="318702"/>
+          </a:xfrm>
+          <a:prstGeom prst="rect">
+            <a:avLst/>
+          </a:prstGeom>
+          <a:noFill/>
+        </p:spPr>
+        <p:txBody>
+          <a:bodyPr wrap="square" lIns="0" tIns="0" rIns="0" bIns="0" rtlCol="0" anchor="ctr" anchorCtr="0">
+            <a:noAutofit/>
+          </a:bodyPr>
+          <a:lstStyle>
+            <a:lvl1pPr marL="0" indent="0">
+              <a:defRPr sz="1100">
+                <a:latin typeface="+mn-lt"/>
+                <a:ea typeface="+mn-ea"/>
+                <a:cs typeface="+mn-cs"/>
+              </a:defRPr>
+            </a:lvl1pPr>
+            <a:lvl2pPr marL="457200" indent="0">
+              <a:defRPr sz="1100">
+                <a:latin typeface="+mn-lt"/>
+                <a:ea typeface="+mn-ea"/>
+                <a:cs typeface="+mn-cs"/>
+              </a:defRPr>
+            </a:lvl2pPr>
+            <a:lvl3pPr marL="914400" indent="0">
+              <a:defRPr sz="1100">
+                <a:latin typeface="+mn-lt"/>
+                <a:ea typeface="+mn-ea"/>
+                <a:cs typeface="+mn-cs"/>
+              </a:defRPr>
+            </a:lvl3pPr>
+            <a:lvl4pPr marL="1371600" indent="0">
+              <a:defRPr sz="1100">
+                <a:latin typeface="+mn-lt"/>
+                <a:ea typeface="+mn-ea"/>
+                <a:cs typeface="+mn-cs"/>
+              </a:defRPr>
+            </a:lvl4pPr>
+            <a:lvl5pPr marL="1828800" indent="0">
+              <a:defRPr sz="1100">
+                <a:latin typeface="+mn-lt"/>
+                <a:ea typeface="+mn-ea"/>
+                <a:cs typeface="+mn-cs"/>
+              </a:defRPr>
+            </a:lvl5pPr>
+            <a:lvl6pPr marL="2286000" indent="0">
+              <a:defRPr sz="1100">
+                <a:latin typeface="+mn-lt"/>
+                <a:ea typeface="+mn-ea"/>
+                <a:cs typeface="+mn-cs"/>
+              </a:defRPr>
+            </a:lvl6pPr>
+            <a:lvl7pPr marL="2743200" indent="0">
+              <a:defRPr sz="1100">
+                <a:latin typeface="+mn-lt"/>
+                <a:ea typeface="+mn-ea"/>
+                <a:cs typeface="+mn-cs"/>
+              </a:defRPr>
+            </a:lvl7pPr>
+            <a:lvl8pPr marL="3200400" indent="0">
+              <a:defRPr sz="1100">
+                <a:latin typeface="+mn-lt"/>
+                <a:ea typeface="+mn-ea"/>
+                <a:cs typeface="+mn-cs"/>
+              </a:defRPr>
+            </a:lvl8pPr>
+            <a:lvl9pPr marL="3657600" indent="0">
+              <a:defRPr sz="1100">
+                <a:latin typeface="+mn-lt"/>
+                <a:ea typeface="+mn-ea"/>
+                <a:cs typeface="+mn-cs"/>
+              </a:defRPr>
+            </a:lvl9pPr>
+          </a:lstStyle>
+          <a:p>
+            <a:pPr algn="ctr">
+              <a:lnSpc>
+                <a:spcPct val="105000"/>
+              </a:lnSpc>
+              <a:spcAft>
+                <a:spcPts val="0"/>
+              </a:spcAft>
+            </a:pPr>
+            <a:r>
+              <a:rPr lang="en-GB" sz="1000" kern="1200" dirty="0">
+                <a:solidFill>
+                  <a:srgbClr val="B7472A"/>
+                </a:solidFill>
+                <a:effectLst/>
+                <a:latin typeface="Segoe UI Semibold" panose="020B0702040204020203" pitchFamily="34" charset="0"/>
+                <a:ea typeface="Times New Roman" panose="02020603050405020304" pitchFamily="18" charset="0"/>
+              </a:rPr>
+              <a:t>Insert</a:t>
+            </a:r>
+            <a:endParaRPr lang="en-IE" sz="1200" dirty="0">
+              <a:solidFill>
+                <a:srgbClr val="B7472A"/>
+              </a:solidFill>
+              <a:effectLst/>
+              <a:latin typeface="Times New Roman" panose="02020603050405020304" pitchFamily="18" charset="0"/>
+              <a:ea typeface="Times New Roman" panose="02020603050405020304" pitchFamily="18" charset="0"/>
+            </a:endParaRPr>
+          </a:p>
+        </p:txBody>
+      </p:sp>
+      <p:sp>
+        <p:nvSpPr>
+          <p:cNvPr id="20" name="LaunchHelpContent2">
+            <a:extLst>
+              <a:ext uri="{FF2B5EF4-FFF2-40B4-BE49-F238E27FC236}">
+                <a16:creationId xmlns:a16="http://schemas.microsoft.com/office/drawing/2014/main" id="{2F3500B0-385B-4A8E-970C-87A5162E2948}"/>
+              </a:ext>
+            </a:extLst>
+          </p:cNvPr>
+          <p:cNvSpPr txBox="1"/>
+          <p:nvPr/>
+        </p:nvSpPr>
+        <p:spPr>
+          <a:xfrm>
+            <a:off x="914400" y="2166716"/>
+            <a:ext cx="10863192" cy="334055"/>
+          </a:xfrm>
+          <a:prstGeom prst="rect">
+            <a:avLst/>
+          </a:prstGeom>
+          <a:noFill/>
+          <a:ln w="9525" cmpd="sng">
+            <a:noFill/>
+          </a:ln>
+        </p:spPr>
+        <p:style>
+          <a:lnRef idx="0">
+            <a:scrgbClr r="0" g="0" b="0"/>
+          </a:lnRef>
+          <a:fillRef idx="0">
+            <a:scrgbClr r="0" g="0" b="0"/>
+          </a:fillRef>
+          <a:effectRef idx="0">
+            <a:scrgbClr r="0" g="0" b="0"/>
+          </a:effectRef>
+          <a:fontRef idx="minor">
+            <a:schemeClr val="dk1"/>
+          </a:fontRef>
+        </p:style>
+        <p:txBody>
+          <a:bodyPr wrap="none" lIns="0" rtlCol="0" anchor="ctr" anchorCtr="0">
+            <a:normAutofit/>
+          </a:bodyPr>
+          <a:lstStyle>
+            <a:lvl1pPr marL="0" indent="0">
+              <a:defRPr sz="1100">
+                <a:solidFill>
+                  <a:schemeClr val="dk1"/>
+                </a:solidFill>
+                <a:latin typeface="+mn-lt"/>
+                <a:ea typeface="+mn-ea"/>
+                <a:cs typeface="+mn-cs"/>
+              </a:defRPr>
+            </a:lvl1pPr>
+            <a:lvl2pPr marL="457200" indent="0">
+              <a:defRPr sz="1100">
+                <a:solidFill>
+                  <a:schemeClr val="dk1"/>
+                </a:solidFill>
+                <a:latin typeface="+mn-lt"/>
+                <a:ea typeface="+mn-ea"/>
+                <a:cs typeface="+mn-cs"/>
+              </a:defRPr>
+            </a:lvl2pPr>
+            <a:lvl3pPr marL="914400" indent="0">
+              <a:defRPr sz="1100">
+                <a:solidFill>
+                  <a:schemeClr val="dk1"/>
+                </a:solidFill>
+                <a:latin typeface="+mn-lt"/>
+                <a:ea typeface="+mn-ea"/>
+                <a:cs typeface="+mn-cs"/>
+              </a:defRPr>
+            </a:lvl3pPr>
+            <a:lvl4pPr marL="1371600" indent="0">
+              <a:defRPr sz="1100">
+                <a:solidFill>
+                  <a:schemeClr val="dk1"/>
+                </a:solidFill>
+                <a:latin typeface="+mn-lt"/>
+                <a:ea typeface="+mn-ea"/>
+                <a:cs typeface="+mn-cs"/>
+              </a:defRPr>
+            </a:lvl4pPr>
+            <a:lvl5pPr marL="1828800" indent="0">
+              <a:defRPr sz="1100">
+                <a:solidFill>
+                  <a:schemeClr val="dk1"/>
+                </a:solidFill>
+                <a:latin typeface="+mn-lt"/>
+                <a:ea typeface="+mn-ea"/>
+                <a:cs typeface="+mn-cs"/>
+              </a:defRPr>
+            </a:lvl5pPr>
+            <a:lvl6pPr marL="2286000" indent="0">
+              <a:defRPr sz="1100">
+                <a:solidFill>
+                  <a:schemeClr val="dk1"/>
+                </a:solidFill>
+                <a:latin typeface="+mn-lt"/>
+                <a:ea typeface="+mn-ea"/>
+                <a:cs typeface="+mn-cs"/>
+              </a:defRPr>
+            </a:lvl6pPr>
+            <a:lvl7pPr marL="2743200" indent="0">
+              <a:defRPr sz="1100">
+                <a:solidFill>
+                  <a:schemeClr val="dk1"/>
+                </a:solidFill>
+                <a:latin typeface="+mn-lt"/>
+                <a:ea typeface="+mn-ea"/>
+                <a:cs typeface="+mn-cs"/>
+              </a:defRPr>
+            </a:lvl7pPr>
+            <a:lvl8pPr marL="3200400" indent="0">
+              <a:defRPr sz="1100">
+                <a:solidFill>
+                  <a:schemeClr val="dk1"/>
+                </a:solidFill>
+                <a:latin typeface="+mn-lt"/>
+                <a:ea typeface="+mn-ea"/>
+                <a:cs typeface="+mn-cs"/>
+              </a:defRPr>
+            </a:lvl8pPr>
+            <a:lvl9pPr marL="3657600" indent="0">
+              <a:defRPr sz="1100">
+                <a:solidFill>
+                  <a:schemeClr val="dk1"/>
+                </a:solidFill>
+                <a:latin typeface="+mn-lt"/>
+                <a:ea typeface="+mn-ea"/>
+                <a:cs typeface="+mn-cs"/>
+              </a:defRPr>
+            </a:lvl9pPr>
+          </a:lstStyle>
+          <a:p>
+            <a:r>
+              <a:rPr lang="en-US" sz="1200" b="0" i="0" baseline="0">
+                <a:latin typeface="Segoe UI Semibold" panose="020B0702040204020203" pitchFamily="34" charset="0"/>
+                <a:cs typeface="Segoe UI Semibold" panose="020B0702040204020203" pitchFamily="34" charset="0"/>
+              </a:rPr>
+              <a:t>On the Insert tab</a:t>
+            </a:r>
+            <a:endParaRPr lang="en-US" sz="1200" b="0" i="0">
+              <a:latin typeface="Segoe UI Semibold" panose="020B0702040204020203" pitchFamily="34" charset="0"/>
+              <a:cs typeface="Segoe UI Semibold" panose="020B0702040204020203" pitchFamily="34" charset="0"/>
+            </a:endParaRPr>
+          </a:p>
+        </p:txBody>
+      </p:sp>
+      <p:sp>
+        <p:nvSpPr>
+          <p:cNvPr id="21" name="LaunchHelpContent1">
+            <a:extLst>
+              <a:ext uri="{FF2B5EF4-FFF2-40B4-BE49-F238E27FC236}">
+                <a16:creationId xmlns:a16="http://schemas.microsoft.com/office/drawing/2014/main" id="{3DDB314C-721F-4AB1-903B-8A65D874228D}"/>
+              </a:ext>
+            </a:extLst>
+          </p:cNvPr>
+          <p:cNvSpPr txBox="1"/>
+          <p:nvPr/>
+        </p:nvSpPr>
+        <p:spPr>
+          <a:xfrm>
+            <a:off x="914400" y="1791044"/>
+            <a:ext cx="10863192" cy="334054"/>
+          </a:xfrm>
+          <a:prstGeom prst="rect">
+            <a:avLst/>
+          </a:prstGeom>
+          <a:noFill/>
+          <a:ln w="9525" cmpd="sng">
+            <a:noFill/>
+          </a:ln>
+        </p:spPr>
+        <p:style>
+          <a:lnRef idx="0">
+            <a:scrgbClr r="0" g="0" b="0"/>
+          </a:lnRef>
+          <a:fillRef idx="0">
+            <a:scrgbClr r="0" g="0" b="0"/>
+          </a:fillRef>
+          <a:effectRef idx="0">
+            <a:scrgbClr r="0" g="0" b="0"/>
+          </a:effectRef>
+          <a:fontRef idx="minor">
+            <a:schemeClr val="dk1"/>
+          </a:fontRef>
+        </p:style>
+        <p:txBody>
+          <a:bodyPr wrap="none" lIns="0" rtlCol="0" anchor="ctr" anchorCtr="0">
+            <a:normAutofit/>
+          </a:bodyPr>
+          <a:lstStyle>
+            <a:lvl1pPr marL="0" indent="0">
+              <a:defRPr sz="1100">
+                <a:solidFill>
+                  <a:schemeClr val="dk1"/>
+                </a:solidFill>
+                <a:latin typeface="+mn-lt"/>
+                <a:ea typeface="+mn-ea"/>
+                <a:cs typeface="+mn-cs"/>
+              </a:defRPr>
+            </a:lvl1pPr>
+            <a:lvl2pPr marL="457200" indent="0">
+              <a:defRPr sz="1100">
+                <a:solidFill>
+                  <a:schemeClr val="dk1"/>
+                </a:solidFill>
+                <a:latin typeface="+mn-lt"/>
+                <a:ea typeface="+mn-ea"/>
+                <a:cs typeface="+mn-cs"/>
+              </a:defRPr>
+            </a:lvl2pPr>
+            <a:lvl3pPr marL="914400" indent="0">
+              <a:defRPr sz="1100">
+                <a:solidFill>
+                  <a:schemeClr val="dk1"/>
+                </a:solidFill>
+                <a:latin typeface="+mn-lt"/>
+                <a:ea typeface="+mn-ea"/>
+                <a:cs typeface="+mn-cs"/>
+              </a:defRPr>
+            </a:lvl3pPr>
+            <a:lvl4pPr marL="1371600" indent="0">
+              <a:defRPr sz="1100">
+                <a:solidFill>
+                  <a:schemeClr val="dk1"/>
+                </a:solidFill>
+                <a:latin typeface="+mn-lt"/>
+                <a:ea typeface="+mn-ea"/>
+                <a:cs typeface="+mn-cs"/>
+              </a:defRPr>
+            </a:lvl4pPr>
+            <a:lvl5pPr marL="1828800" indent="0">
+              <a:defRPr sz="1100">
+                <a:solidFill>
+                  <a:schemeClr val="dk1"/>
+                </a:solidFill>
+                <a:latin typeface="+mn-lt"/>
+                <a:ea typeface="+mn-ea"/>
+                <a:cs typeface="+mn-cs"/>
+              </a:defRPr>
+            </a:lvl5pPr>
+            <a:lvl6pPr marL="2286000" indent="0">
+              <a:defRPr sz="1100">
+                <a:solidFill>
+                  <a:schemeClr val="dk1"/>
+                </a:solidFill>
+                <a:latin typeface="+mn-lt"/>
+                <a:ea typeface="+mn-ea"/>
+                <a:cs typeface="+mn-cs"/>
+              </a:defRPr>
+            </a:lvl6pPr>
+            <a:lvl7pPr marL="2743200" indent="0">
+              <a:defRPr sz="1100">
+                <a:solidFill>
+                  <a:schemeClr val="dk1"/>
+                </a:solidFill>
+                <a:latin typeface="+mn-lt"/>
+                <a:ea typeface="+mn-ea"/>
+                <a:cs typeface="+mn-cs"/>
+              </a:defRPr>
+            </a:lvl7pPr>
+            <a:lvl8pPr marL="3200400" indent="0">
+              <a:defRPr sz="1100">
+                <a:solidFill>
+                  <a:schemeClr val="dk1"/>
+                </a:solidFill>
+                <a:latin typeface="+mn-lt"/>
+                <a:ea typeface="+mn-ea"/>
+                <a:cs typeface="+mn-cs"/>
+              </a:defRPr>
+            </a:lvl8pPr>
+            <a:lvl9pPr marL="3657600" indent="0">
+              <a:defRPr sz="1100">
+                <a:solidFill>
+                  <a:schemeClr val="dk1"/>
+                </a:solidFill>
+                <a:latin typeface="+mn-lt"/>
+                <a:ea typeface="+mn-ea"/>
+                <a:cs typeface="+mn-cs"/>
+              </a:defRPr>
+            </a:lvl9pPr>
+          </a:lstStyle>
+          <a:p>
+            <a:r>
+              <a:rPr lang="en-US" sz="1200" b="0" i="0" dirty="0">
+                <a:latin typeface="Segoe UI" panose="020B0502040204020203" pitchFamily="34" charset="0"/>
+                <a:cs typeface="Segoe UI" panose="020B0502040204020203" pitchFamily="34" charset="0"/>
+              </a:rPr>
+              <a:t>After you install the add-in, you can launch it by choosing the add-in button on the Insert tab</a:t>
+            </a:r>
+            <a:endParaRPr lang="en-US" sz="1200" b="1" i="0" dirty="0">
+              <a:latin typeface="Segoe UI" panose="020B0502040204020203" pitchFamily="34" charset="0"/>
+              <a:cs typeface="Segoe UI" panose="020B0502040204020203" pitchFamily="34" charset="0"/>
+            </a:endParaRPr>
+          </a:p>
+        </p:txBody>
+      </p:sp>
+      <p:sp>
+        <p:nvSpPr>
+          <p:cNvPr id="22" name="LaunchHelpHeader">
+            <a:extLst>
+              <a:ext uri="{FF2B5EF4-FFF2-40B4-BE49-F238E27FC236}">
+                <a16:creationId xmlns:a16="http://schemas.microsoft.com/office/drawing/2014/main" id="{AB584A37-30D1-4FA4-900C-FBDB7748536B}"/>
+              </a:ext>
+            </a:extLst>
+          </p:cNvPr>
+          <p:cNvSpPr txBox="1">
+            <a:spLocks noGrp="1"/>
           </p:cNvSpPr>
           <p:nvPr>
             <p:ph type="title"/>
           </p:nvPr>
         </p:nvSpPr>
-        <p:spPr/>
-        <p:txBody>
-          <a:bodyPr xmlns:a="http://schemas.openxmlformats.org/drawingml/2006/main"/>
-          <a:lstStyle xmlns:a="http://schemas.openxmlformats.org/drawingml/2006/main"/>
-          <a:p xmlns:a="http://schemas.openxmlformats.org/drawingml/2006/main">
-            <a:r>
-              <a:t>Page 1</a:t>
-            </a:r>
-          </a:p>
-        </p:txBody>
-      </p:sp>
+        <p:spPr>
+          <a:xfrm>
+            <a:off x="914400" y="1239451"/>
+            <a:ext cx="10863192" cy="496308"/>
+          </a:xfrm>
+          <a:prstGeom prst="rect">
+            <a:avLst/>
+          </a:prstGeom>
+        </p:spPr>
+        <p:txBody>
+          <a:bodyPr wrap="none" lIns="0" rtlCol="0" anchor="ctr" anchorCtr="0">
+            <a:normAutofit/>
+          </a:bodyPr>
+          <a:lstStyle>
+            <a:lvl1pPr marL="0" indent="0">
+              <a:defRPr sz="1100">
+                <a:latin typeface="+mn-lt"/>
+                <a:ea typeface="+mn-ea"/>
+                <a:cs typeface="+mn-cs"/>
+              </a:defRPr>
+            </a:lvl1pPr>
+            <a:lvl2pPr marL="457200" indent="0">
+              <a:defRPr sz="1100">
+                <a:latin typeface="+mn-lt"/>
+                <a:ea typeface="+mn-ea"/>
+                <a:cs typeface="+mn-cs"/>
+              </a:defRPr>
+            </a:lvl2pPr>
+            <a:lvl3pPr marL="914400" indent="0">
+              <a:defRPr sz="1100">
+                <a:latin typeface="+mn-lt"/>
+                <a:ea typeface="+mn-ea"/>
+                <a:cs typeface="+mn-cs"/>
+              </a:defRPr>
+            </a:lvl3pPr>
+            <a:lvl4pPr marL="1371600" indent="0">
+              <a:defRPr sz="1100">
+                <a:latin typeface="+mn-lt"/>
+                <a:ea typeface="+mn-ea"/>
+                <a:cs typeface="+mn-cs"/>
+              </a:defRPr>
+            </a:lvl4pPr>
+            <a:lvl5pPr marL="1828800" indent="0">
+              <a:defRPr sz="1100">
+                <a:latin typeface="+mn-lt"/>
+                <a:ea typeface="+mn-ea"/>
+                <a:cs typeface="+mn-cs"/>
+              </a:defRPr>
+            </a:lvl5pPr>
+            <a:lvl6pPr marL="2286000" indent="0">
+              <a:defRPr sz="1100">
+                <a:latin typeface="+mn-lt"/>
+                <a:ea typeface="+mn-ea"/>
+                <a:cs typeface="+mn-cs"/>
+              </a:defRPr>
+            </a:lvl6pPr>
+            <a:lvl7pPr marL="2743200" indent="0">
+              <a:defRPr sz="1100">
+                <a:latin typeface="+mn-lt"/>
+                <a:ea typeface="+mn-ea"/>
+                <a:cs typeface="+mn-cs"/>
+              </a:defRPr>
+            </a:lvl7pPr>
+            <a:lvl8pPr marL="3200400" indent="0">
+              <a:defRPr sz="1100">
+                <a:latin typeface="+mn-lt"/>
+                <a:ea typeface="+mn-ea"/>
+                <a:cs typeface="+mn-cs"/>
+              </a:defRPr>
+            </a:lvl8pPr>
+            <a:lvl9pPr marL="3657600" indent="0">
+              <a:defRPr sz="1100">
+                <a:latin typeface="+mn-lt"/>
+                <a:ea typeface="+mn-ea"/>
+                <a:cs typeface="+mn-cs"/>
+              </a:defRPr>
+            </a:lvl9pPr>
+          </a:lstStyle>
+          <a:p>
+            <a:pPr algn="l" rtl="0"/>
+            <a:r>
+              <a:rPr lang="en-US" sz="2400" dirty="0">
+                <a:latin typeface="Segoe UI Light" panose="020B0502040204020203" pitchFamily="34" charset="0"/>
+                <a:cs typeface="Segoe UI Light" panose="020B0502040204020203" pitchFamily="34" charset="0"/>
+              </a:rPr>
+              <a:t>Relaunch the add-in</a:t>
+            </a:r>
+          </a:p>
+        </p:txBody>
+      </p:sp>
+      <p:sp>
+        <p:nvSpPr>
+          <p:cNvPr id="14" name="Add-in_Banner">
+            <a:extLst>
+              <a:ext uri="{FF2B5EF4-FFF2-40B4-BE49-F238E27FC236}">
+                <a16:creationId xmlns:a16="http://schemas.microsoft.com/office/drawing/2014/main" id="{E6F38A83-0D43-4BB2-A6E1-EF52D195B184}"/>
+              </a:ext>
+            </a:extLst>
+          </p:cNvPr>
+          <p:cNvSpPr txBox="1"/>
+          <p:nvPr/>
+        </p:nvSpPr>
+        <p:spPr>
+          <a:xfrm>
+            <a:off x="0" y="351395"/>
+            <a:ext cx="12192000" cy="640515"/>
+          </a:xfrm>
+          <a:prstGeom prst="rect">
+            <a:avLst/>
+          </a:prstGeom>
+          <a:solidFill>
+            <a:srgbClr val="494748">
+              <a:alpha val="4706"/>
+            </a:srgbClr>
+          </a:solidFill>
+          <a:ln>
+            <a:noFill/>
+          </a:ln>
+        </p:spPr>
+        <p:style>
+          <a:lnRef idx="2">
+            <a:schemeClr val="accent1">
+              <a:shade val="50000"/>
+            </a:schemeClr>
+          </a:lnRef>
+          <a:fillRef idx="1">
+            <a:schemeClr val="accent1"/>
+          </a:fillRef>
+          <a:effectRef idx="0">
+            <a:schemeClr val="accent1"/>
+          </a:effectRef>
+          <a:fontRef idx="minor">
+            <a:schemeClr val="lt1"/>
+          </a:fontRef>
+        </p:style>
+        <p:txBody>
+          <a:bodyPr rot="0" spcFirstLastPara="0" vert="horz" wrap="square" lIns="1332000" tIns="180000" rIns="216000" bIns="180000" numCol="1" spcCol="0" rtlCol="0" fromWordArt="0" anchor="ctr" anchorCtr="0" forceAA="0" compatLnSpc="1">
+            <a:prstTxWarp prst="textNoShape">
+              <a:avLst/>
+            </a:prstTxWarp>
+            <a:spAutoFit/>
+          </a:bodyPr>
+          <a:lstStyle/>
+          <a:p>
+            <a:pPr>
+              <a:spcAft>
+                <a:spcPts val="0"/>
+              </a:spcAft>
+            </a:pPr>
+            <a:r>
+              <a:rPr lang="en-GB" sz="1800" dirty="0">
+                <a:solidFill>
+                  <a:srgbClr val="000000"/>
+                </a:solidFill>
+                <a:effectLst/>
+                <a:latin typeface="Segoe UI Light" panose="020B0502040204020203" pitchFamily="34" charset="0"/>
+                <a:ea typeface="Calibri" panose="020F0502020204030204" pitchFamily="34" charset="0"/>
+                <a:cs typeface="Segoe UI Light" panose="020B0502040204020203" pitchFamily="34" charset="0"/>
+              </a:rPr>
+              <a:t>Microsoft Power BI</a:t>
+            </a:r>
+            <a:endParaRPr lang="en-IE" sz="1200" dirty="0">
+              <a:effectLst/>
+              <a:latin typeface="Segoe UI Light" panose="020B0502040204020203" pitchFamily="34" charset="0"/>
+              <a:ea typeface="Calibri" panose="020F0502020204030204" pitchFamily="34" charset="0"/>
+              <a:cs typeface="Segoe UI Light" panose="020B0502040204020203" pitchFamily="34" charset="0"/>
+            </a:endParaRPr>
+          </a:p>
+        </p:txBody>
+      </p:sp>
+      <p:pic>
+        <p:nvPicPr>
+          <p:cNvPr id="15" name="Add-in_Icon" descr="Icon for Microsoft Power BI.">
+            <a:extLst>
+              <a:ext uri="{FF2B5EF4-FFF2-40B4-BE49-F238E27FC236}">
+                <a16:creationId xmlns:a16="http://schemas.microsoft.com/office/drawing/2014/main" id="{1B82359A-FB32-493E-B411-3F0BBC45D5CE}"/>
+              </a:ext>
+            </a:extLst>
+          </p:cNvPr>
+          <p:cNvPicPr/>
+          <p:nvPr/>
+        </p:nvPicPr>
+        <p:blipFill>
+          <a:blip r:embed="rId4"/>
+          <a:stretch>
+            <a:fillRect/>
+          </a:stretch>
+        </p:blipFill>
+        <p:spPr bwMode="auto">
+          <a:xfrm>
+            <a:off x="914400" y="530365"/>
+            <a:ext cx="291465" cy="291465"/>
+          </a:xfrm>
+          <a:prstGeom prst="rect">
+            <a:avLst/>
+          </a:prstGeom>
+          <a:noFill/>
+        </p:spPr>
+      </p:pic>
     </p:spTree>
-    <p:clrMapOvr>
-      <a:masterClrMapping xmlns:a="http://schemas.openxmlformats.org/drawingml/2006/main"/>
-    </p:clrMapOvr>
+    <p:extLst>
+      <p:ext uri="{BB962C8B-B14F-4D97-AF65-F5344CB8AC3E}">
+        <p14:creationId xmlns:p14="http://schemas.microsoft.com/office/powerpoint/2010/main" val="2282759447"/>
+      </p:ext>
+    </p:extLst>
   </p:cSld>
+  <p:clrMapOvr>
+    <a:masterClrMapping/>
+  </p:clrMapOvr>
 </p:sld>
 </file>
 
+<file path=ppt/tags/tag1.xml><?xml version="1.0" encoding="utf-8"?>
+<p:tagLst xmlns:a="http://schemas.openxmlformats.org/drawingml/2006/main" xmlns:r="http://schemas.openxmlformats.org/officeDocument/2006/relationships" xmlns:p="http://schemas.openxmlformats.org/presentationml/2006/main">
+  <p:tag name="FILE_NAME_PARSED_KEY" val="TRUE"/>
+</p:tagLst>
+</file>
+
 <file path=ppt/theme/theme1.xml><?xml version="1.0" encoding="utf-8"?>
-<a:theme xmlns:a="http://schemas.openxmlformats.org/drawingml/2006/main" name="Custom Design">
+<a:theme xmlns:a="http://schemas.openxmlformats.org/drawingml/2006/main" name="Office Theme">
   <a:themeElements>
     <a:clrScheme name="Office">
       <a:dk1>
@@ -3857,7 +4603,7 @@
         <a:srgbClr val="E7E6E6"/>
       </a:lt2>
       <a:accent1>
-        <a:srgbClr val="5B9BD5"/>
+        <a:srgbClr val="4472C4"/>
       </a:accent1>
       <a:accent2>
         <a:srgbClr val="ED7D31"/>
@@ -3869,7 +4615,7 @@
         <a:srgbClr val="FFC000"/>
       </a:accent4>
       <a:accent5>
-        <a:srgbClr val="4472C4"/>
+        <a:srgbClr val="5B9BD5"/>
       </a:accent5>
       <a:accent6>
         <a:srgbClr val="70AD47"/>
@@ -3916,6 +4662,23 @@
         <a:font script="Viet" typeface="Times New Roman"/>
         <a:font script="Uigh" typeface="Microsoft Uighur"/>
         <a:font script="Geor" typeface="Sylfaen"/>
+        <a:font script="Armn" typeface="Arial"/>
+        <a:font script="Bugi" typeface="Leelawadee UI"/>
+        <a:font script="Bopo" typeface="Microsoft JhengHei"/>
+        <a:font script="Java" typeface="Javanese Text"/>
+        <a:font script="Lisu" typeface="Segoe UI"/>
+        <a:font script="Mymr" typeface="Myanmar Text"/>
+        <a:font script="Nkoo" typeface="Ebrima"/>
+        <a:font script="Olck" typeface="Nirmala UI"/>
+        <a:font script="Osma" typeface="Ebrima"/>
+        <a:font script="Phag" typeface="Phagspa"/>
+        <a:font script="Syrn" typeface="Estrangelo Edessa"/>
+        <a:font script="Syrj" typeface="Estrangelo Edessa"/>
+        <a:font script="Syre" typeface="Estrangelo Edessa"/>
+        <a:font script="Sora" typeface="Nirmala UI"/>
+        <a:font script="Tale" typeface="Microsoft Tai Le"/>
+        <a:font script="Talu" typeface="Microsoft New Tai Lue"/>
+        <a:font script="Tfng" typeface="Ebrima"/>
       </a:majorFont>
       <a:minorFont>
         <a:latin typeface="Calibri" panose="020F0502020204030204"/>
@@ -3951,6 +4714,23 @@
         <a:font script="Viet" typeface="Arial"/>
         <a:font script="Uigh" typeface="Microsoft Uighur"/>
         <a:font script="Geor" typeface="Sylfaen"/>
+        <a:font script="Armn" typeface="Arial"/>
+        <a:font script="Bugi" typeface="Leelawadee UI"/>
+        <a:font script="Bopo" typeface="Microsoft JhengHei"/>
+        <a:font script="Java" typeface="Javanese Text"/>
+        <a:font script="Lisu" typeface="Segoe UI"/>
+        <a:font script="Mymr" typeface="Myanmar Text"/>
+        <a:font script="Nkoo" typeface="Ebrima"/>
+        <a:font script="Olck" typeface="Nirmala UI"/>
+        <a:font script="Osma" typeface="Ebrima"/>
+        <a:font script="Phag" typeface="Phagspa"/>
+        <a:font script="Syrn" typeface="Estrangelo Edessa"/>
+        <a:font script="Syrj" typeface="Estrangelo Edessa"/>
+        <a:font script="Syre" typeface="Estrangelo Edessa"/>
+        <a:font script="Sora" typeface="Nirmala UI"/>
+        <a:font script="Tale" typeface="Microsoft Tai Le"/>
+        <a:font script="Talu" typeface="Microsoft New Tai Lue"/>
+        <a:font script="Tfng" typeface="Ebrima"/>
       </a:minorFont>
     </a:fontScheme>
     <a:fmtScheme name="Office">
@@ -4099,4 +4879,351 @@
     </a:ext>
   </a:extLst>
 </a:theme>
+</file>
+
+<file path=ppt/webextensions/webextension1.xml><?xml version="1.0" encoding="utf-8"?>
+<we:webextension xmlns:we="http://schemas.microsoft.com/office/webextensions/webextension/2010/11" id="{70367274-ed93-493a-8ef5-23a3e5fc3acb}">
+  <we:reference id="WA200003233" version="2.0.0.3" store="en-US" storeType="OMEX"/>
+  <we:alternateReferences/>
+  <we:properties>
+    <we:property name="Microsoft.Office.CampaignId" value="&quot;none&quot;"/>
+    <we:property name="reportUrl" value="&quot;/groups/me/reports/815219b6-1c56-44d5-836c-c7a901d7466c/ReportSection?bookmarkGuid=1fcc3c10-ccab-4149-b44a-5b680e43b77e&amp;bookmarkUsage=1&amp;ctid=28fd0d9a-e529-413f-88d5-7f33f67675ef&amp;fromEntryPoint=export&quot;"/>
+    <we:property name="reportState" value="&quot;CONNECTED&quot;"/>
+    <we:property name="artifactViewState" value="&quot;live&quot;"/>
+    <we:property name="reportEmbeddedTime" value="&quot;2025-09-18T16:43:42.130Z&quot;"/>
+    <we:property name="creatorSessionId" value="&quot;d1041fc8-a4c6-45fd-bf08-e27de95a780c&quot;"/>
+    <we:property name="creatorUserId" value="&quot;10032002CF0DA03E&quot;"/>
+    <we:property name="creatorTenantId" value="&quot;28fd0d9a-e529-413f-88d5-7f33f67675ef&quot;"/>
+    <we:property name="pageDisplayName" value="&quot;Page 1&quot;"/>
+    <we:property name="pageName" value="&quot;ReportSection&quot;"/>
+    <we:property name="reportName" value="&quot;Coffee Sales and Top Customer 2019 - 2022&quot;"/>
+    <we:property name="isVisualContainerHeaderHidden" value="false"/>
+    <we:property name="isFiltersActionButtonVisible" value="true"/>
+    <we:property name="initialStateBookmark" value="&quot;H4sIAAAAAAAAA+1aWVPjOBD+K5Rf9iVQPuI45g0CU0sBAwMUW1tb1JQstRPNOFZWllmyVP77tiQ7B+SAAEOGHZ7sVqM+9PUl595hvBhkZPiZ9MHZdfaF+N4n8vuW5zScvKKdnR2f7l0cf/28d3qIZDFQXOSFs3vvKCK7oK55UZJM74DEv24aDsmyc9LVbynJCmg4A5CFyEnG/wXLjEtKljBqOHA3yIQkestLRRTobW+RHd9RtrcToERCFb+FS6DKUi9gIKSq3xtOYZ+MSrNrejMjsCNyRXiOG2taEqUQRqQdJ21KWYu2KEs1PeWZqlmGh3cDifaglcOB9sMeuyU5BeYYpSUURSVhr9uV0CW1wMOZxY7Iyv4c+qUoJYULMHIPc8XVEGUIybT8ETrmXAp0m6HiY8qVJX8q88o0V7/2xD8dCeg3pgmNDVD2S0kswzO07SCpKySnJHuk8PN0GkjBSqoeaXUhSKG2rlDcloH6Y21ukFLwvJtVEJ1g58oqmSF8EKL0OzCrU0f0E9HpEal0VCTfQMvdvcd9jGf2hwY9B1zWYPQbD2x4x8MY3dRxhezfpgKoOgur/Fs5/2akWaDZTloha6U0ZeCnbitJ2fph+DsHSSTtDU/gFrLHOo/XHy/Vul4TyW0qMvat4fsqj443cmYccaYZtw50mtPMUxo5mrg1Iejlyg7nTyByDmA3IdjXyEzLYv3DHiHGoURIr5t25iaZ1dH7Yd1ZR8QHNnGCGJsrw9BjTa8dQwRu5Cet2HeTF7QskqteHxSn+u0EUvXK6WJRKbAJY16+uODdntHikiI3O7wlc47zXTU0iukOV7+cIT9RAt0dvG9n0xFpCmCq6zrphWZlgQACtk/ky3qZX5B6TUj9yP5sFkI237QTGjaZHwUQtCPMNjgn+SvzzZUYfEb8WB7Ncl1PcgiXT1L0DXOVLosy+bsENOQhki7rBXz+Uj8s24nqLWojKeJZ9LWKDcdi3MRjxSqmWasUPuFDn19Chs5+unProoFKPPRqpUjV847LRMohY46WdfbDxoSxluLJHZxWEM/T2fVcAwjrI3/Klyvdjjv80cPcUnkzZ7w24eiBwsUbONwYQJIMFm8xhuBI/92MXpahJy5YodhP3cmvrih2ON7ouXgp6l877T4ZFzbzUhoHHkuipB3GftBqQqtF1u/0PmyDvHIq/jVo/nLMxDGnIle9dRrkIuMUHTqdyRyM2a4xrAs5CstMJA6sihyKSbTOPi3rYbLpYnoi8Gy0MaZ+fQ2AuQGjzW0vif3tpuf724TF6XaMmSEA12+mnvfDym72MItVgYhSr0lWmm8AuOkJV9Yz95aMjL7ruyeGc+G6Z9ZvRjYX6j0ZUWSOe/uCmQMAkwfnbvfbPik4/a2u7YtuTMZKf2Dw/8/uS7CGEtoD9slE3oH9wnWkoG+PmZtL5kKPXkfMdhT9AepS1P1F/XbMc50jGuNp9nl1f50onh9bU6Pskrgy3cPs9zy95Ohz/4A2e4tt9sx4hbmB5Fpd82HRnr0UmXmqwx7ZMo0gu2qGATTJcFjA7kzguDMG7M4sEHeMyrgVL9BbGRkUurboD5xIYmB8cwzDZ2TbN/CnUe+c53mtm4bFugbX0bbA5leTY6v2PCnaHimEwUft4zqV52WWYQ7o8YxJyKuYn2VZUYG0wCvRxa5gLG5cQxjQgCYQt9MobPsJba6+F3m/sW48YhwdPBh2/HVGOyLZxs50S021hxcm0E6D1CdhHLKYuhSCF4xWp0CKUj65AC4cA49y25hs1RasdY/7gqN5S0Os42O/7UZeEgQtmnrtVtj0I9jgqHnFy5BNjpgltyCa5PuR32xGceqmaeSSVtSkrukilhms4E4l4m7WZr1b5IZpk3he6MctiACS1A83GAJP/xnLz42BZb8QqdqreYOvKFUxIBTOSQ5zxjPTejFgK0Y08/MwxwhBj/HqrnbJP+hSPB7oRqP/AHNtxr+/JgAA&quot;"/>
+    <we:property name="bookmark" value="&quot;H4sIAAAAAAAAA+0aWU/jOPivoLzwUlDuNLwNDKNFAwMDiNVqhVaO/aX1jBt3HZeli/rf10fSA9rSA4bClqfE/vjuu3lwCC27DPW/oQ44B84h5z87SPzc8ZyGU9izOG8SP4uzjJBm7OI0D11X3fKupLwonYMHRyLRAnlDyx5iGpE6/NPBOA08kiVZM0r9IA4hjpFz23AQYxeopWFyxEpoOF0QJS8Qo/+CRaGupOjBoOHAfZdxgTShK4kkaGJ3Cly9K8a8/UjxgbCkd3AFWNrTS+hyIev3hlPaJ8Po5J1GZgge8UIiWijE+ixLcogS1EyzJsYkxjEmuT7PKZM1SP/4viuUlEr2flcr6RO5QwUG4himBZRlReFTqyWghWqCxxOXR5z1OlPOr3hPYLgEQ/e4kFT2FQ0uiKY/UIq5EFypzZyqx5xKe/ylV1Siufq1zf85EqD0RvRBYwOY/d5DFmAJbo/UUYsLihF7wvByPHUFJz0sn3B1yVEpd64VuR0TB0+5uVUnJS1arHLRke9cWyaZch/lovgnEMvTEe9k/KiNhNSxkv0ATffgQeExmjnsG+/5TEXtjH7jkQxvaIzBbR1XCvzHWABVtrDMv5bybwcaBMJmFkckznFOwM/dOMvJ6mH4GwWBBG73T+EO2FOeh/dPr2peb5CgNhUZ+VbQfZVkh4icCUWca8CdzzrNaeAxjhx9uDM60NeVHM4fgMQUh92EYF8hM82L9Q9rQhWHQrn0qmlnapJ5Pno/rDrriPjAIo48xubKKPJI6DVTSMBNVK+W+m62RssiqGx3QFKs304hly+cLmaVApswpuWLS9pqGy6usIImx3doijnflEPDmFLvrX45V/BIcqXu4G07myOe5wCmuq6SXjDrlcqBgBwisV4vs3Wpl3SpX9mfTbqQzTfNDEch8ZMAgmaiso2ak/xn8801735T/mNhNMhNPckpd/kieMcAV+my7GV/90AJ8tiTruoL9fy9fpiHCWsUtZBY+TPvaBYbjvVxE48VKB8HrVL4CE7p/AqYUvbiyq2LhmLisVYrRqqed1gmcgqMOJrW+S8bE4Zc8oU7OM2gsqdz4LnGIayO/DFdPqt2heH3tsotlTYLQmsRTh4xXL6Cwo0AKGMwG8XQBQf673awXoYeqeAZxt51J/98RbHD8UbPxXO9/qXT7sJ+YTPv1K3adipeeireDppbxYwUc8YL2V6lQS4ZxUqh45nMUTHbMoK1oFDEmInErmWRQjmK1smneT0MGy+mp1zZRgtj6tdfARA3IDjc87LU3ws9399DJM33UpUZAnD9MPe8hcruuRjvzV+iCLPHOa0KS8XDDWI98zuBQnpKpdXTgz1WgL7ru6ca8naiVX9NphprIxqbyhcR0Du1VKfc7n6XYsffNZhW/v9gzf8PdysDDGzx0VIRJNEUf+5wYjweTOGZjvIQlRTv1s3UrBXVUG0fONv8zxZU9cg3YusMJLKe9DBWYbZWf+8iTiRAjHAbiInnEwkda11KQPNCqxAv9YbjhNjGvdNVvJR1G1+/faWFLsWNYWFarr1epVjOqA+jMjSnYNk0eadPz1BXQ7jVrbX9R1aAVymg8U7kGm+H54k2qsYzras7LE+j1JBbS2+aXEtZOljY0sHW0psm11KWDhe2dOgMN4Co0EKYz5GsvQVn9ounqndV2JguiPbWrBCVoAbC1t/9UXXdH9bf/cm6um8MpFDRUumQoW6pJ1L9WVSj9rf+V+gvMQC9gvcY9i5oUdS8aTdZVeDacjNkfjE6dtafRkXLIzg3LlPruJ5Hih5jqqdpU0YEFOO9TH9sZJkTQ4bgNW+12IjccBAigAOcQdrMk6jpZzh8/teUt1sGDxeTJ58frUj9VRbCSJCN3QTPFdUaL8qgmQe5j6I0Iil2MQRrLGTPAJU9sXA/P3N5fFLY6XqnlmClX3/XMM1rCmIVn/pNN/GyIIhx7jXjKPQT2OCoecGfUDY5Yub8dqKPfD/xwzBJczfPExfFSYhdjXWuwBLuZcbvJ2XW2BI3ykPkeZGfxpAAZLkfbbALLP7x6/v2gXnfldpmcuq6nPdk2UUYLlABU3aMpvUiQKrnWXtG81H5cMs4GPwHlftD3uIuAAA=&quot;"/>
+    <we:property name="datasetId" value="&quot;49d5f4df-99b1-4599-82ba-aed9398ad020&quot;"/>
+    <we:property name="embedUrl" value="&quot;/reportEmbed?reportId=815219b6-1c56-44d5-836c-c7a901d7466c&amp;config=eyJjbHVzdGVyVXJsIjoiaHR0cHM6Ly9XQUJJLVVTLU5PUlRILUNFTlRSQUwtcmVkaXJlY3QuYW5hbHlzaXMud2luZG93cy5uZXQiLCJlbWJlZEZlYXR1cmVzIjp7InVzYWdlTWV0cmljc1ZOZXh0Ijp0cnVlfX0%3D&amp;disableSensitivityBanner=true&amp;storytellingChangeViewModeShortcutKeys=true&quot;"/>
+    <we:property name="backgroundColor" value="&quot;#D5BEBE&quot;"/>
+  </we:properties>
+  <we:bindings/>
+  <we:snapshot xmlns:r="http://schemas.openxmlformats.org/officeDocument/2006/relationships"/>
+</we:webextension>
+</file>
+
+<file path=customXml/item1.xml><?xml version="1.0" encoding="utf-8"?>
+<p:properties xmlns:p="http://schemas.microsoft.com/office/2006/metadata/properties" xmlns:xsi="http://www.w3.org/2001/XMLSchema-instance" xmlns:pc="http://schemas.microsoft.com/office/infopath/2007/PartnerControls">
+  <documentManagement>
+    <Document_x0020_Purpose xmlns="f577acbf-5b0b-4b4f-9948-268e97f8d3a4">Informational</Document_x0020_Purpose>
+    <Initiatives xmlns="f577acbf-5b0b-4b4f-9948-268e97f8d3a4"/>
+  </documentManagement>
+</p:properties>
+</file>
+
+<file path=customXml/item2.xml><?xml version="1.0" encoding="utf-8"?>
+<?mso-contentType ?>
+<FormTemplates xmlns="http://schemas.microsoft.com/sharepoint/v3/contenttype/forms">
+  <Display>DocumentLibraryForm</Display>
+  <Edit>DocumentLibraryForm</Edit>
+  <New>DocumentLibraryForm</New>
+</FormTemplates>
+</file>
+
+<file path=customXml/item3.xml><?xml version="1.0" encoding="utf-8"?>
+<ct:contentTypeSchema xmlns:ct="http://schemas.microsoft.com/office/2006/metadata/contentType" xmlns:ma="http://schemas.microsoft.com/office/2006/metadata/properties/metaAttributes" ct:_="" ma:_="" ma:contentTypeName="Document" ma:contentTypeID="0x010100CD401524DC532D42A0E0ED886331A72B" ma:contentTypeVersion="15" ma:contentTypeDescription="Create a new document." ma:contentTypeScope="" ma:versionID="aba17d7263e5a17e1efe42a3571abb41">
+  <xsd:schema xmlns:xsd="http://www.w3.org/2001/XMLSchema" xmlns:xs="http://www.w3.org/2001/XMLSchema" xmlns:p="http://schemas.microsoft.com/office/2006/metadata/properties" xmlns:ns2="f577acbf-5b0b-4b4f-9948-268e97f8d3a4" xmlns:ns3="b1e4d6ee-9f6f-43f8-a618-24f3d84da28f" targetNamespace="http://schemas.microsoft.com/office/2006/metadata/properties" ma:root="true" ma:fieldsID="e4e3c9c8ed1c3d723d02c9f1cb24d19a" ns2:_="" ns3:_="">
+    <xsd:import namespace="f577acbf-5b0b-4b4f-9948-268e97f8d3a4"/>
+    <xsd:import namespace="b1e4d6ee-9f6f-43f8-a618-24f3d84da28f"/>
+    <xsd:element name="properties">
+      <xsd:complexType>
+        <xsd:sequence>
+          <xsd:element name="documentManagement">
+            <xsd:complexType>
+              <xsd:all>
+                <xsd:element ref="ns2:MediaServiceMetadata" minOccurs="0"/>
+                <xsd:element ref="ns2:MediaServiceFastMetadata" minOccurs="0"/>
+                <xsd:element ref="ns3:SharedWithUsers" minOccurs="0"/>
+                <xsd:element ref="ns3:SharedWithDetails" minOccurs="0"/>
+                <xsd:element ref="ns3:LastSharedByUser" minOccurs="0"/>
+                <xsd:element ref="ns3:LastSharedByTime" minOccurs="0"/>
+                <xsd:element ref="ns2:Document_x0020_Purpose" minOccurs="0"/>
+                <xsd:element ref="ns2:Initiatives" minOccurs="0"/>
+                <xsd:element ref="ns2:MediaServiceDateTaken" minOccurs="0"/>
+                <xsd:element ref="ns2:MediaServiceAutoTags" minOccurs="0"/>
+                <xsd:element ref="ns2:MediaServiceOCR" minOccurs="0"/>
+                <xsd:element ref="ns2:MediaServiceLocation" minOccurs="0"/>
+                <xsd:element ref="ns2:MediaServiceEventHashCode" minOccurs="0"/>
+                <xsd:element ref="ns2:MediaServiceGenerationTime" minOccurs="0"/>
+              </xsd:all>
+            </xsd:complexType>
+          </xsd:element>
+        </xsd:sequence>
+      </xsd:complexType>
+    </xsd:element>
+  </xsd:schema>
+  <xsd:schema xmlns:xsd="http://www.w3.org/2001/XMLSchema" xmlns:xs="http://www.w3.org/2001/XMLSchema" xmlns:dms="http://schemas.microsoft.com/office/2006/documentManagement/types" xmlns:pc="http://schemas.microsoft.com/office/infopath/2007/PartnerControls" targetNamespace="f577acbf-5b0b-4b4f-9948-268e97f8d3a4" elementFormDefault="qualified">
+    <xsd:import namespace="http://schemas.microsoft.com/office/2006/documentManagement/types"/>
+    <xsd:import namespace="http://schemas.microsoft.com/office/infopath/2007/PartnerControls"/>
+    <xsd:element name="MediaServiceMetadata" ma:index="8" nillable="true" ma:displayName="MediaServiceMetadata" ma:hidden="true" ma:internalName="MediaServiceMetadata" ma:readOnly="true">
+      <xsd:simpleType>
+        <xsd:restriction base="dms:Note"/>
+      </xsd:simpleType>
+    </xsd:element>
+    <xsd:element name="MediaServiceFastMetadata" ma:index="9" nillable="true" ma:displayName="MediaServiceFastMetadata" ma:hidden="true" ma:internalName="MediaServiceFastMetadata" ma:readOnly="true">
+      <xsd:simpleType>
+        <xsd:restriction base="dms:Note"/>
+      </xsd:simpleType>
+    </xsd:element>
+    <xsd:element name="Document_x0020_Purpose" ma:index="14" nillable="true" ma:displayName="Document Purpose" ma:default="Informational" ma:format="Dropdown" ma:internalName="Document_x0020_Purpose">
+      <xsd:simpleType>
+        <xsd:restriction base="dms:Choice">
+          <xsd:enumeration value="Informational"/>
+          <xsd:enumeration value="Feature Spec"/>
+          <xsd:enumeration value="Engineering Design"/>
+          <xsd:enumeration value="Planning"/>
+        </xsd:restriction>
+      </xsd:simpleType>
+    </xsd:element>
+    <xsd:element name="Initiatives" ma:index="15" nillable="true" ma:displayName="Initiatives" ma:description="List of initiatives related to this document" ma:internalName="Initiatives">
+      <xsd:complexType>
+        <xsd:complexContent>
+          <xsd:extension base="dms:MultiChoice">
+            <xsd:sequence>
+              <xsd:element name="Value" maxOccurs="unbounded" minOccurs="0" nillable="true">
+                <xsd:simpleType>
+                  <xsd:restriction base="dms:Choice">
+                    <xsd:enumeration value="Add-in MAU"/>
+                    <xsd:enumeration value="Custom Functions"/>
+                    <xsd:enumeration value="Data &amp; Analytics"/>
+                    <xsd:enumeration value="DevEx: Portals &amp; Programs"/>
+                    <xsd:enumeration value="DevEx: Tools &amp; Libraries"/>
+                    <xsd:enumeration value="Engineering"/>
+                    <xsd:enumeration value="Excel API"/>
+                    <xsd:enumeration value="In-Market Support"/>
+                    <xsd:enumeration value="Maker Access"/>
+                    <xsd:enumeration value="SDX Runtime &amp; Partners"/>
+                    <xsd:enumeration value="SDX Service Delivery"/>
+                    <xsd:enumeration value="SDX API &amp; Pipeline"/>
+                    <xsd:enumeration value="Shield &amp; OCE"/>
+                  </xsd:restriction>
+                </xsd:simpleType>
+              </xsd:element>
+            </xsd:sequence>
+          </xsd:extension>
+        </xsd:complexContent>
+      </xsd:complexType>
+    </xsd:element>
+    <xsd:element name="MediaServiceDateTaken" ma:index="16" nillable="true" ma:displayName="MediaServiceDateTaken" ma:hidden="true" ma:internalName="MediaServiceDateTaken" ma:readOnly="true">
+      <xsd:simpleType>
+        <xsd:restriction base="dms:Text"/>
+      </xsd:simpleType>
+    </xsd:element>
+    <xsd:element name="MediaServiceAutoTags" ma:index="17" nillable="true" ma:displayName="MediaServiceAutoTags" ma:internalName="MediaServiceAutoTags" ma:readOnly="true">
+      <xsd:simpleType>
+        <xsd:restriction base="dms:Text"/>
+      </xsd:simpleType>
+    </xsd:element>
+    <xsd:element name="MediaServiceOCR" ma:index="18" nillable="true" ma:displayName="MediaServiceOCR" ma:internalName="MediaServiceOCR" ma:readOnly="true">
+      <xsd:simpleType>
+        <xsd:restriction base="dms:Note">
+          <xsd:maxLength value="255"/>
+        </xsd:restriction>
+      </xsd:simpleType>
+    </xsd:element>
+    <xsd:element name="MediaServiceLocation" ma:index="19" nillable="true" ma:displayName="MediaServiceLocation" ma:internalName="MediaServiceLocation" ma:readOnly="true">
+      <xsd:simpleType>
+        <xsd:restriction base="dms:Text"/>
+      </xsd:simpleType>
+    </xsd:element>
+    <xsd:element name="MediaServiceEventHashCode" ma:index="20" nillable="true" ma:displayName="MediaServiceEventHashCode" ma:hidden="true" ma:internalName="MediaServiceEventHashCode" ma:readOnly="true">
+      <xsd:simpleType>
+        <xsd:restriction base="dms:Text"/>
+      </xsd:simpleType>
+    </xsd:element>
+    <xsd:element name="MediaServiceGenerationTime" ma:index="21" nillable="true" ma:displayName="MediaServiceGenerationTime" ma:hidden="true" ma:internalName="MediaServiceGenerationTime" ma:readOnly="true">
+      <xsd:simpleType>
+        <xsd:restriction base="dms:Text"/>
+      </xsd:simpleType>
+    </xsd:element>
+  </xsd:schema>
+  <xsd:schema xmlns:xsd="http://www.w3.org/2001/XMLSchema" xmlns:xs="http://www.w3.org/2001/XMLSchema" xmlns:dms="http://schemas.microsoft.com/office/2006/documentManagement/types" xmlns:pc="http://schemas.microsoft.com/office/infopath/2007/PartnerControls" targetNamespace="b1e4d6ee-9f6f-43f8-a618-24f3d84da28f" elementFormDefault="qualified">
+    <xsd:import namespace="http://schemas.microsoft.com/office/2006/documentManagement/types"/>
+    <xsd:import namespace="http://schemas.microsoft.com/office/infopath/2007/PartnerControls"/>
+    <xsd:element name="SharedWithUsers" ma:index="10" nillable="true" ma:displayName="Shared With" ma:internalName="SharedWithUsers" ma:readOnly="true">
+      <xsd:complexType>
+        <xsd:complexContent>
+          <xsd:extension base="dms:UserMulti">
+            <xsd:sequence>
+              <xsd:element name="UserInfo" minOccurs="0" maxOccurs="unbounded">
+                <xsd:complexType>
+                  <xsd:sequence>
+                    <xsd:element name="DisplayName" type="xsd:string" minOccurs="0"/>
+                    <xsd:element name="AccountId" type="dms:UserId" minOccurs="0" nillable="true"/>
+                    <xsd:element name="AccountType" type="xsd:string" minOccurs="0"/>
+                  </xsd:sequence>
+                </xsd:complexType>
+              </xsd:element>
+            </xsd:sequence>
+          </xsd:extension>
+        </xsd:complexContent>
+      </xsd:complexType>
+    </xsd:element>
+    <xsd:element name="SharedWithDetails" ma:index="11" nillable="true" ma:displayName="Shared With Details" ma:internalName="SharedWithDetails" ma:readOnly="true">
+      <xsd:simpleType>
+        <xsd:restriction base="dms:Note">
+          <xsd:maxLength value="255"/>
+        </xsd:restriction>
+      </xsd:simpleType>
+    </xsd:element>
+    <xsd:element name="LastSharedByUser" ma:index="12" nillable="true" ma:displayName="Last Shared By User" ma:hidden="true" ma:internalName="LastSharedByUser" ma:readOnly="true">
+      <xsd:simpleType>
+        <xsd:restriction base="dms:Note"/>
+      </xsd:simpleType>
+    </xsd:element>
+    <xsd:element name="LastSharedByTime" ma:index="13" nillable="true" ma:displayName="Last Shared By Time" ma:hidden="true" ma:internalName="LastSharedByTime" ma:readOnly="true">
+      <xsd:simpleType>
+        <xsd:restriction base="dms:DateTime"/>
+      </xsd:simpleType>
+    </xsd:element>
+  </xsd:schema>
+  <xsd:schema xmlns="http://schemas.openxmlformats.org/package/2006/metadata/core-properties" xmlns:xsd="http://www.w3.org/2001/XMLSchema" xmlns:xsi="http://www.w3.org/2001/XMLSchema-instance" xmlns:dc="http://purl.org/dc/elements/1.1/" xmlns:dcterms="http://purl.org/dc/terms/" xmlns:odoc="http://schemas.microsoft.com/internal/obd" targetNamespace="http://schemas.openxmlformats.org/package/2006/metadata/core-properties" elementFormDefault="qualified" attributeFormDefault="unqualified" blockDefault="#all">
+    <xsd:import namespace="http://purl.org/dc/elements/1.1/" schemaLocation="http://dublincore.org/schemas/xmls/qdc/2003/04/02/dc.xsd"/>
+    <xsd:import namespace="http://purl.org/dc/terms/" schemaLocation="http://dublincore.org/schemas/xmls/qdc/2003/04/02/dcterms.xsd"/>
+    <xsd:element name="coreProperties" type="CT_coreProperties"/>
+    <xsd:complexType name="CT_coreProperties">
+      <xsd:all>
+        <xsd:element ref="dc:creator" minOccurs="0" maxOccurs="1"/>
+        <xsd:element ref="dcterms:created" minOccurs="0" maxOccurs="1"/>
+        <xsd:element ref="dc:identifier" minOccurs="0" maxOccurs="1"/>
+        <xsd:element name="contentType" minOccurs="0" maxOccurs="1" type="xsd:string" ma:index="0" ma:displayName="Content Type"/>
+        <xsd:element ref="dc:title" minOccurs="0" maxOccurs="1" ma:index="4" ma:displayName="Title"/>
+        <xsd:element ref="dc:subject" minOccurs="0" maxOccurs="1"/>
+        <xsd:element ref="dc:description" minOccurs="0" maxOccurs="1"/>
+        <xsd:element name="keywords" minOccurs="0" maxOccurs="1" type="xsd:string"/>
+        <xsd:element ref="dc:language" minOccurs="0" maxOccurs="1"/>
+        <xsd:element name="category" minOccurs="0" maxOccurs="1" type="xsd:string"/>
+        <xsd:element name="version" minOccurs="0" maxOccurs="1" type="xsd:string"/>
+        <xsd:element name="revision" minOccurs="0" maxOccurs="1" type="xsd:string">
+          <xsd:annotation>
+            <xsd:documentation>
+                        This value indicates the number of saves or revisions. The application is responsible for updating this value after each revision.
+                    </xsd:documentation>
+          </xsd:annotation>
+        </xsd:element>
+        <xsd:element name="lastModifiedBy" minOccurs="0" maxOccurs="1" type="xsd:string"/>
+        <xsd:element ref="dcterms:modified" minOccurs="0" maxOccurs="1"/>
+        <xsd:element name="contentStatus" minOccurs="0" maxOccurs="1" type="xsd:string"/>
+      </xsd:all>
+    </xsd:complexType>
+  </xsd:schema>
+  <xs:schema xmlns:pc="http://schemas.microsoft.com/office/infopath/2007/PartnerControls" xmlns:xs="http://www.w3.org/2001/XMLSchema" targetNamespace="http://schemas.microsoft.com/office/infopath/2007/PartnerControls" elementFormDefault="qualified" attributeFormDefault="unqualified">
+    <xs:element name="Person">
+      <xs:complexType>
+        <xs:sequence>
+          <xs:element ref="pc:DisplayName" minOccurs="0"/>
+          <xs:element ref="pc:AccountId" minOccurs="0"/>
+          <xs:element ref="pc:AccountType" minOccurs="0"/>
+        </xs:sequence>
+      </xs:complexType>
+    </xs:element>
+    <xs:element name="DisplayName" type="xs:string"/>
+    <xs:element name="AccountId" type="xs:string"/>
+    <xs:element name="AccountType" type="xs:string"/>
+    <xs:element name="BDCAssociatedEntity">
+      <xs:complexType>
+        <xs:sequence>
+          <xs:element ref="pc:BDCEntity" minOccurs="0" maxOccurs="unbounded"/>
+        </xs:sequence>
+        <xs:attribute ref="pc:EntityNamespace"/>
+        <xs:attribute ref="pc:EntityName"/>
+        <xs:attribute ref="pc:SystemInstanceName"/>
+        <xs:attribute ref="pc:AssociationName"/>
+      </xs:complexType>
+    </xs:element>
+    <xs:attribute name="EntityNamespace" type="xs:string"/>
+    <xs:attribute name="EntityName" type="xs:string"/>
+    <xs:attribute name="SystemInstanceName" type="xs:string"/>
+    <xs:attribute name="AssociationName" type="xs:string"/>
+    <xs:element name="BDCEntity">
+      <xs:complexType>
+        <xs:sequence>
+          <xs:element ref="pc:EntityDisplayName" minOccurs="0"/>
+          <xs:element ref="pc:EntityInstanceReference" minOccurs="0"/>
+          <xs:element ref="pc:EntityId1" minOccurs="0"/>
+          <xs:element ref="pc:EntityId2" minOccurs="0"/>
+          <xs:element ref="pc:EntityId3" minOccurs="0"/>
+          <xs:element ref="pc:EntityId4" minOccurs="0"/>
+          <xs:element ref="pc:EntityId5" minOccurs="0"/>
+        </xs:sequence>
+      </xs:complexType>
+    </xs:element>
+    <xs:element name="EntityDisplayName" type="xs:string"/>
+    <xs:element name="EntityInstanceReference" type="xs:string"/>
+    <xs:element name="EntityId1" type="xs:string"/>
+    <xs:element name="EntityId2" type="xs:string"/>
+    <xs:element name="EntityId3" type="xs:string"/>
+    <xs:element name="EntityId4" type="xs:string"/>
+    <xs:element name="EntityId5" type="xs:string"/>
+    <xs:element name="Terms">
+      <xs:complexType>
+        <xs:sequence>
+          <xs:element ref="pc:TermInfo" minOccurs="0" maxOccurs="unbounded"/>
+        </xs:sequence>
+      </xs:complexType>
+    </xs:element>
+    <xs:element name="TermInfo">
+      <xs:complexType>
+        <xs:sequence>
+          <xs:element ref="pc:TermName" minOccurs="0"/>
+          <xs:element ref="pc:TermId" minOccurs="0"/>
+        </xs:sequence>
+      </xs:complexType>
+    </xs:element>
+    <xs:element name="TermName" type="xs:string"/>
+    <xs:element name="TermId" type="xs:string"/>
+  </xs:schema>
+</ct:contentTypeSchema>
+</file>
+
+<file path=customXml/itemProps1.xml><?xml version="1.0" encoding="utf-8"?>
+<ds:datastoreItem xmlns:ds="http://schemas.openxmlformats.org/officeDocument/2006/customXml" ds:itemID="{617AB1FA-2F28-4684-9230-02ACEB6C0B0A}">
+  <ds:schemaRefs>
+    <ds:schemaRef ds:uri="http://purl.org/dc/elements/1.1/"/>
+    <ds:schemaRef ds:uri="http://schemas.microsoft.com/office/2006/metadata/properties"/>
+    <ds:schemaRef ds:uri="b1e4d6ee-9f6f-43f8-a618-24f3d84da28f"/>
+    <ds:schemaRef ds:uri="http://schemas.microsoft.com/office/2006/documentManagement/types"/>
+    <ds:schemaRef ds:uri="http://purl.org/dc/terms/"/>
+    <ds:schemaRef ds:uri="http://schemas.openxmlformats.org/package/2006/metadata/core-properties"/>
+    <ds:schemaRef ds:uri="f577acbf-5b0b-4b4f-9948-268e97f8d3a4"/>
+    <ds:schemaRef ds:uri="http://purl.org/dc/dcmitype/"/>
+    <ds:schemaRef ds:uri="http://schemas.microsoft.com/office/infopath/2007/PartnerControls"/>
+    <ds:schemaRef ds:uri="http://www.w3.org/XML/1998/namespace"/>
+  </ds:schemaRefs>
+</ds:datastoreItem>
+</file>
+
+<file path=customXml/itemProps2.xml><?xml version="1.0" encoding="utf-8"?>
+<ds:datastoreItem xmlns:ds="http://schemas.openxmlformats.org/officeDocument/2006/customXml" ds:itemID="{E21AFCC0-734A-4A90-A597-A1CB34860DCD}">
+  <ds:schemaRefs>
+    <ds:schemaRef ds:uri="http://schemas.microsoft.com/sharepoint/v3/contenttype/forms"/>
+  </ds:schemaRefs>
+</ds:datastoreItem>
+</file>
+
+<file path=customXml/itemProps3.xml><?xml version="1.0" encoding="utf-8"?>
+<ds:datastoreItem xmlns:ds="http://schemas.openxmlformats.org/officeDocument/2006/customXml" ds:itemID="{1DD29C39-1C4E-4B06-A1F4-2510F2DACF6E}">
+  <ds:schemaRefs>
+    <ds:schemaRef ds:uri="http://schemas.microsoft.com/office/2006/metadata/contentType"/>
+    <ds:schemaRef ds:uri="http://schemas.microsoft.com/office/2006/metadata/properties/metaAttributes"/>
+    <ds:schemaRef ds:uri="http://www.w3.org/2001/XMLSchema"/>
+    <ds:schemaRef ds:uri="http://schemas.microsoft.com/office/2006/metadata/properties"/>
+    <ds:schemaRef ds:uri="f577acbf-5b0b-4b4f-9948-268e97f8d3a4"/>
+    <ds:schemaRef ds:uri="b1e4d6ee-9f6f-43f8-a618-24f3d84da28f"/>
+    <ds:schemaRef ds:uri="http://schemas.microsoft.com/office/2006/documentManagement/types"/>
+    <ds:schemaRef ds:uri="http://schemas.microsoft.com/office/infopath/2007/PartnerControls"/>
+    <ds:schemaRef ds:uri="http://schemas.openxmlformats.org/package/2006/metadata/core-properties"/>
+    <ds:schemaRef ds:uri="http://purl.org/dc/elements/1.1/"/>
+    <ds:schemaRef ds:uri="http://purl.org/dc/terms/"/>
+    <ds:schemaRef ds:uri="http://schemas.microsoft.com/internal/obd"/>
+  </ds:schemaRefs>
+</ds:datastoreItem>
 </file>